--- a/Daily Lesson Plans/Day 7/Day 7.pptx
+++ b/Daily Lesson Plans/Day 7/Day 7.pptx
@@ -5,35 +5,33 @@
     <p:sldMasterId id="2147483701" r:id="rId1"/>
   </p:sldMasterIdLst>
   <p:notesMasterIdLst>
-    <p:notesMasterId r:id="rId7"/>
+    <p:notesMasterId r:id="rId5"/>
   </p:notesMasterIdLst>
   <p:sldIdLst>
     <p:sldId id="256" r:id="rId2"/>
     <p:sldId id="280" r:id="rId3"/>
     <p:sldId id="279" r:id="rId4"/>
-    <p:sldId id="281" r:id="rId5"/>
-    <p:sldId id="293" r:id="rId6"/>
   </p:sldIdLst>
   <p:sldSz cx="9144000" cy="5143500" type="screen16x9"/>
   <p:notesSz cx="6858000" cy="9144000"/>
   <p:embeddedFontLst>
     <p:embeddedFont>
       <p:font typeface="Abril Fatface" panose="02000503000000020003" pitchFamily="2" charset="0"/>
-      <p:regular r:id="rId8"/>
+      <p:regular r:id="rId6"/>
     </p:embeddedFont>
     <p:embeddedFont>
       <p:font typeface="Bodoni" panose="020B0604020202020204" charset="0"/>
-      <p:regular r:id="rId9"/>
-      <p:bold r:id="rId10"/>
-      <p:italic r:id="rId11"/>
-      <p:boldItalic r:id="rId12"/>
+      <p:regular r:id="rId7"/>
+      <p:bold r:id="rId8"/>
+      <p:italic r:id="rId9"/>
+      <p:boldItalic r:id="rId10"/>
     </p:embeddedFont>
     <p:embeddedFont>
       <p:font typeface="Fira Sans" panose="020B0503050000020004" pitchFamily="34" charset="0"/>
-      <p:regular r:id="rId13"/>
-      <p:bold r:id="rId14"/>
-      <p:italic r:id="rId15"/>
-      <p:boldItalic r:id="rId16"/>
+      <p:regular r:id="rId11"/>
+      <p:bold r:id="rId12"/>
+      <p:italic r:id="rId13"/>
+      <p:boldItalic r:id="rId14"/>
     </p:embeddedFont>
   </p:embeddedFontLst>
   <p:defaultTextStyle>
@@ -910,6 +908,14 @@
               </a:spcAft>
               <a:buNone/>
             </a:pPr>
+            <a:r>
+              <a:rPr lang="en-US" dirty="0"/>
+              <a:t>Guess what the colors mean – it’s the air velocity magnitude, and by extension, also </a:t>
+            </a:r>
+            <a:r>
+              <a:rPr lang="en-US"/>
+              <a:t>air pressure</a:t>
+            </a:r>
             <a:endParaRPr dirty="0"/>
           </a:p>
         </p:txBody>
@@ -1026,214 +1032,6 @@
 </p:notes>
 </file>
 
-<file path=ppt/notesSlides/notesSlide4.xml><?xml version="1.0" encoding="utf-8"?>
-<p:notes xmlns:a="http://schemas.openxmlformats.org/drawingml/2006/main" xmlns:r="http://schemas.openxmlformats.org/officeDocument/2006/relationships" xmlns:p="http://schemas.openxmlformats.org/presentationml/2006/main" showMasterSp="0" showMasterPhAnim="0">
-  <p:cSld>
-    <p:spTree>
-      <p:nvGrpSpPr>
-        <p:cNvPr id="1" name="Shape 705"/>
-        <p:cNvGrpSpPr/>
-        <p:nvPr/>
-      </p:nvGrpSpPr>
-      <p:grpSpPr>
-        <a:xfrm>
-          <a:off x="0" y="0"/>
-          <a:ext cx="0" cy="0"/>
-          <a:chOff x="0" y="0"/>
-          <a:chExt cx="0" cy="0"/>
-        </a:xfrm>
-      </p:grpSpPr>
-      <p:sp>
-        <p:nvSpPr>
-          <p:cNvPr id="706" name="Google Shape;706;g13b76b1884c_0_33:notes"/>
-          <p:cNvSpPr>
-            <a:spLocks noGrp="1" noRot="1" noChangeAspect="1"/>
-          </p:cNvSpPr>
-          <p:nvPr>
-            <p:ph type="sldImg" idx="2"/>
-          </p:nvPr>
-        </p:nvSpPr>
-        <p:spPr>
-          <a:xfrm>
-            <a:off x="381000" y="685800"/>
-            <a:ext cx="6096000" cy="3429000"/>
-          </a:xfrm>
-          <a:custGeom>
-            <a:avLst/>
-            <a:gdLst/>
-            <a:ahLst/>
-            <a:cxnLst/>
-            <a:rect l="l" t="t" r="r" b="b"/>
-            <a:pathLst>
-              <a:path w="120000" h="120000" extrusionOk="0">
-                <a:moveTo>
-                  <a:pt x="0" y="0"/>
-                </a:moveTo>
-                <a:lnTo>
-                  <a:pt x="120000" y="0"/>
-                </a:lnTo>
-                <a:lnTo>
-                  <a:pt x="120000" y="120000"/>
-                </a:lnTo>
-                <a:lnTo>
-                  <a:pt x="0" y="120000"/>
-                </a:lnTo>
-                <a:close/>
-              </a:path>
-            </a:pathLst>
-          </a:custGeom>
-        </p:spPr>
-      </p:sp>
-      <p:sp>
-        <p:nvSpPr>
-          <p:cNvPr id="707" name="Google Shape;707;g13b76b1884c_0_33:notes"/>
-          <p:cNvSpPr txBox="1">
-            <a:spLocks noGrp="1"/>
-          </p:cNvSpPr>
-          <p:nvPr>
-            <p:ph type="body" idx="1"/>
-          </p:nvPr>
-        </p:nvSpPr>
-        <p:spPr>
-          <a:xfrm>
-            <a:off x="685800" y="4343400"/>
-            <a:ext cx="5486400" cy="4114800"/>
-          </a:xfrm>
-          <a:prstGeom prst="rect">
-            <a:avLst/>
-          </a:prstGeom>
-        </p:spPr>
-        <p:txBody>
-          <a:bodyPr spcFirstLastPara="1" wrap="square" lIns="91425" tIns="91425" rIns="91425" bIns="91425" anchor="t" anchorCtr="0">
-            <a:noAutofit/>
-          </a:bodyPr>
-          <a:lstStyle/>
-          <a:p>
-            <a:pPr marL="0" lvl="0" indent="0" algn="l" rtl="0">
-              <a:spcBef>
-                <a:spcPts val="0"/>
-              </a:spcBef>
-              <a:spcAft>
-                <a:spcPts val="0"/>
-              </a:spcAft>
-              <a:buNone/>
-            </a:pPr>
-            <a:endParaRPr/>
-          </a:p>
-        </p:txBody>
-      </p:sp>
-    </p:spTree>
-  </p:cSld>
-  <p:clrMapOvr>
-    <a:masterClrMapping/>
-  </p:clrMapOvr>
-</p:notes>
-</file>
-
-<file path=ppt/notesSlides/notesSlide5.xml><?xml version="1.0" encoding="utf-8"?>
-<p:notes xmlns:a="http://schemas.openxmlformats.org/drawingml/2006/main" xmlns:r="http://schemas.openxmlformats.org/officeDocument/2006/relationships" xmlns:p="http://schemas.openxmlformats.org/presentationml/2006/main" showMasterSp="0" showMasterPhAnim="0">
-  <p:cSld>
-    <p:spTree>
-      <p:nvGrpSpPr>
-        <p:cNvPr id="1" name="Shape 1212"/>
-        <p:cNvGrpSpPr/>
-        <p:nvPr/>
-      </p:nvGrpSpPr>
-      <p:grpSpPr>
-        <a:xfrm>
-          <a:off x="0" y="0"/>
-          <a:ext cx="0" cy="0"/>
-          <a:chOff x="0" y="0"/>
-          <a:chExt cx="0" cy="0"/>
-        </a:xfrm>
-      </p:grpSpPr>
-      <p:sp>
-        <p:nvSpPr>
-          <p:cNvPr id="1213" name="Google Shape;1213;g13b76b1884c_0_1094:notes"/>
-          <p:cNvSpPr>
-            <a:spLocks noGrp="1" noRot="1" noChangeAspect="1"/>
-          </p:cNvSpPr>
-          <p:nvPr>
-            <p:ph type="sldImg" idx="2"/>
-          </p:nvPr>
-        </p:nvSpPr>
-        <p:spPr>
-          <a:xfrm>
-            <a:off x="381000" y="685800"/>
-            <a:ext cx="6096000" cy="3429000"/>
-          </a:xfrm>
-          <a:custGeom>
-            <a:avLst/>
-            <a:gdLst/>
-            <a:ahLst/>
-            <a:cxnLst/>
-            <a:rect l="l" t="t" r="r" b="b"/>
-            <a:pathLst>
-              <a:path w="120000" h="120000" extrusionOk="0">
-                <a:moveTo>
-                  <a:pt x="0" y="0"/>
-                </a:moveTo>
-                <a:lnTo>
-                  <a:pt x="120000" y="0"/>
-                </a:lnTo>
-                <a:lnTo>
-                  <a:pt x="120000" y="120000"/>
-                </a:lnTo>
-                <a:lnTo>
-                  <a:pt x="0" y="120000"/>
-                </a:lnTo>
-                <a:close/>
-              </a:path>
-            </a:pathLst>
-          </a:custGeom>
-        </p:spPr>
-      </p:sp>
-      <p:sp>
-        <p:nvSpPr>
-          <p:cNvPr id="1214" name="Google Shape;1214;g13b76b1884c_0_1094:notes"/>
-          <p:cNvSpPr txBox="1">
-            <a:spLocks noGrp="1"/>
-          </p:cNvSpPr>
-          <p:nvPr>
-            <p:ph type="body" idx="1"/>
-          </p:nvPr>
-        </p:nvSpPr>
-        <p:spPr>
-          <a:xfrm>
-            <a:off x="685800" y="4343400"/>
-            <a:ext cx="5486400" cy="4114800"/>
-          </a:xfrm>
-          <a:prstGeom prst="rect">
-            <a:avLst/>
-          </a:prstGeom>
-        </p:spPr>
-        <p:txBody>
-          <a:bodyPr spcFirstLastPara="1" wrap="square" lIns="91425" tIns="91425" rIns="91425" bIns="91425" anchor="t" anchorCtr="0">
-            <a:noAutofit/>
-          </a:bodyPr>
-          <a:lstStyle/>
-          <a:p>
-            <a:pPr marL="0" lvl="0" indent="0" algn="l" rtl="0">
-              <a:spcBef>
-                <a:spcPts val="0"/>
-              </a:spcBef>
-              <a:spcAft>
-                <a:spcPts val="0"/>
-              </a:spcAft>
-              <a:buNone/>
-            </a:pPr>
-            <a:endParaRPr/>
-          </a:p>
-        </p:txBody>
-      </p:sp>
-    </p:spTree>
-  </p:cSld>
-  <p:clrMapOvr>
-    <a:masterClrMapping/>
-  </p:clrMapOvr>
-</p:notes>
-</file>
-
 <file path=ppt/slideLayouts/slideLayout1.xml><?xml version="1.0" encoding="utf-8"?>
 <p:sldLayout xmlns:a="http://schemas.openxmlformats.org/drawingml/2006/main" xmlns:r="http://schemas.openxmlformats.org/officeDocument/2006/relationships" xmlns:p="http://schemas.openxmlformats.org/presentationml/2006/main" matchingName="Title slide" type="title">
   <p:cSld name="TITLE">
@@ -1557,44 +1355,6 @@
           </a:p>
         </p:txBody>
       </p:sp>
-    </p:spTree>
-  </p:cSld>
-  <p:clrMapOvr>
-    <a:masterClrMapping/>
-  </p:clrMapOvr>
-</p:sldLayout>
-</file>
-
-<file path=ppt/slideLayouts/slideLayout10.xml><?xml version="1.0" encoding="utf-8"?>
-<p:sldLayout xmlns:a="http://schemas.openxmlformats.org/drawingml/2006/main" xmlns:r="http://schemas.openxmlformats.org/officeDocument/2006/relationships" xmlns:p="http://schemas.openxmlformats.org/presentationml/2006/main" matchingName="Background 3">
-  <p:cSld name="CUSTOM_6_1_1_1">
-    <p:bg>
-      <p:bgPr>
-        <a:blipFill>
-          <a:blip r:embed="rId2">
-            <a:alphaModFix/>
-          </a:blip>
-          <a:stretch>
-            <a:fillRect/>
-          </a:stretch>
-        </a:blipFill>
-        <a:effectLst/>
-      </p:bgPr>
-    </p:bg>
-    <p:spTree>
-      <p:nvGrpSpPr>
-        <p:cNvPr id="1" name="Shape 258"/>
-        <p:cNvGrpSpPr/>
-        <p:nvPr/>
-      </p:nvGrpSpPr>
-      <p:grpSpPr>
-        <a:xfrm>
-          <a:off x="0" y="0"/>
-          <a:ext cx="0" cy="0"/>
-          <a:chOff x="0" y="0"/>
-          <a:chExt cx="0" cy="0"/>
-        </a:xfrm>
-      </p:grpSpPr>
     </p:spTree>
   </p:cSld>
   <p:clrMapOvr>
@@ -1804,436 +1564,6 @@
 </file>
 
 <file path=ppt/slideLayouts/slideLayout4.xml><?xml version="1.0" encoding="utf-8"?>
-<p:sldLayout xmlns:a="http://schemas.openxmlformats.org/drawingml/2006/main" xmlns:r="http://schemas.openxmlformats.org/officeDocument/2006/relationships" xmlns:p="http://schemas.openxmlformats.org/presentationml/2006/main" matchingName="Section header 4">
-  <p:cSld name="CUSTOM_9_1_1_1">
-    <p:bg>
-      <p:bgPr>
-        <a:blipFill>
-          <a:blip r:embed="rId2">
-            <a:alphaModFix/>
-          </a:blip>
-          <a:stretch>
-            <a:fillRect/>
-          </a:stretch>
-        </a:blipFill>
-        <a:effectLst/>
-      </p:bgPr>
-    </p:bg>
-    <p:spTree>
-      <p:nvGrpSpPr>
-        <p:cNvPr id="1" name="Shape 84"/>
-        <p:cNvGrpSpPr/>
-        <p:nvPr/>
-      </p:nvGrpSpPr>
-      <p:grpSpPr>
-        <a:xfrm>
-          <a:off x="0" y="0"/>
-          <a:ext cx="0" cy="0"/>
-          <a:chOff x="0" y="0"/>
-          <a:chExt cx="0" cy="0"/>
-        </a:xfrm>
-      </p:grpSpPr>
-      <p:sp>
-        <p:nvSpPr>
-          <p:cNvPr id="85" name="Google Shape;85;p19"/>
-          <p:cNvSpPr txBox="1">
-            <a:spLocks noGrp="1"/>
-          </p:cNvSpPr>
-          <p:nvPr>
-            <p:ph type="title"/>
-          </p:nvPr>
-        </p:nvSpPr>
-        <p:spPr>
-          <a:xfrm>
-            <a:off x="1227500" y="2886600"/>
-            <a:ext cx="4474800" cy="877800"/>
-          </a:xfrm>
-          <a:prstGeom prst="rect">
-            <a:avLst/>
-          </a:prstGeom>
-        </p:spPr>
-        <p:txBody>
-          <a:bodyPr spcFirstLastPara="1" wrap="square" lIns="91425" tIns="91425" rIns="91425" bIns="91425" anchor="b" anchorCtr="0">
-            <a:noAutofit/>
-          </a:bodyPr>
-          <a:lstStyle>
-            <a:lvl1pPr lvl="0" rtl="0">
-              <a:lnSpc>
-                <a:spcPct val="80000"/>
-              </a:lnSpc>
-              <a:spcBef>
-                <a:spcPts val="0"/>
-              </a:spcBef>
-              <a:spcAft>
-                <a:spcPts val="0"/>
-              </a:spcAft>
-              <a:buSzPts val="3600"/>
-              <a:buNone/>
-              <a:defRPr sz="5200"/>
-            </a:lvl1pPr>
-            <a:lvl2pPr lvl="1" algn="ctr" rtl="0">
-              <a:spcBef>
-                <a:spcPts val="0"/>
-              </a:spcBef>
-              <a:spcAft>
-                <a:spcPts val="0"/>
-              </a:spcAft>
-              <a:buSzPts val="3600"/>
-              <a:buNone/>
-              <a:defRPr sz="3600"/>
-            </a:lvl2pPr>
-            <a:lvl3pPr lvl="2" algn="ctr" rtl="0">
-              <a:spcBef>
-                <a:spcPts val="0"/>
-              </a:spcBef>
-              <a:spcAft>
-                <a:spcPts val="0"/>
-              </a:spcAft>
-              <a:buSzPts val="3600"/>
-              <a:buNone/>
-              <a:defRPr sz="3600"/>
-            </a:lvl3pPr>
-            <a:lvl4pPr lvl="3" algn="ctr" rtl="0">
-              <a:spcBef>
-                <a:spcPts val="0"/>
-              </a:spcBef>
-              <a:spcAft>
-                <a:spcPts val="0"/>
-              </a:spcAft>
-              <a:buSzPts val="3600"/>
-              <a:buNone/>
-              <a:defRPr sz="3600"/>
-            </a:lvl4pPr>
-            <a:lvl5pPr lvl="4" algn="ctr" rtl="0">
-              <a:spcBef>
-                <a:spcPts val="0"/>
-              </a:spcBef>
-              <a:spcAft>
-                <a:spcPts val="0"/>
-              </a:spcAft>
-              <a:buSzPts val="3600"/>
-              <a:buNone/>
-              <a:defRPr sz="3600"/>
-            </a:lvl5pPr>
-            <a:lvl6pPr lvl="5" algn="ctr" rtl="0">
-              <a:spcBef>
-                <a:spcPts val="0"/>
-              </a:spcBef>
-              <a:spcAft>
-                <a:spcPts val="0"/>
-              </a:spcAft>
-              <a:buSzPts val="3600"/>
-              <a:buNone/>
-              <a:defRPr sz="3600"/>
-            </a:lvl6pPr>
-            <a:lvl7pPr lvl="6" algn="ctr" rtl="0">
-              <a:spcBef>
-                <a:spcPts val="0"/>
-              </a:spcBef>
-              <a:spcAft>
-                <a:spcPts val="0"/>
-              </a:spcAft>
-              <a:buSzPts val="3600"/>
-              <a:buNone/>
-              <a:defRPr sz="3600"/>
-            </a:lvl7pPr>
-            <a:lvl8pPr lvl="7" algn="ctr" rtl="0">
-              <a:spcBef>
-                <a:spcPts val="0"/>
-              </a:spcBef>
-              <a:spcAft>
-                <a:spcPts val="0"/>
-              </a:spcAft>
-              <a:buSzPts val="3600"/>
-              <a:buNone/>
-              <a:defRPr sz="3600"/>
-            </a:lvl8pPr>
-            <a:lvl9pPr lvl="8" algn="ctr" rtl="0">
-              <a:spcBef>
-                <a:spcPts val="0"/>
-              </a:spcBef>
-              <a:spcAft>
-                <a:spcPts val="0"/>
-              </a:spcAft>
-              <a:buSzPts val="3600"/>
-              <a:buNone/>
-              <a:defRPr sz="3600"/>
-            </a:lvl9pPr>
-          </a:lstStyle>
-          <a:p>
-            <a:endParaRPr/>
-          </a:p>
-        </p:txBody>
-      </p:sp>
-      <p:sp>
-        <p:nvSpPr>
-          <p:cNvPr id="86" name="Google Shape;86;p19"/>
-          <p:cNvSpPr txBox="1">
-            <a:spLocks noGrp="1"/>
-          </p:cNvSpPr>
-          <p:nvPr>
-            <p:ph type="title" idx="2" hasCustomPrompt="1"/>
-          </p:nvPr>
-        </p:nvSpPr>
-        <p:spPr>
-          <a:xfrm>
-            <a:off x="1649900" y="1413900"/>
-            <a:ext cx="1453800" cy="1104000"/>
-          </a:xfrm>
-          <a:prstGeom prst="rect">
-            <a:avLst/>
-          </a:prstGeom>
-        </p:spPr>
-        <p:txBody>
-          <a:bodyPr spcFirstLastPara="1" wrap="square" lIns="91425" tIns="91425" rIns="91425" bIns="91425" anchor="ctr" anchorCtr="0">
-            <a:noAutofit/>
-          </a:bodyPr>
-          <a:lstStyle>
-            <a:lvl1pPr lvl="0" algn="ctr" rtl="0">
-              <a:spcBef>
-                <a:spcPts val="0"/>
-              </a:spcBef>
-              <a:spcAft>
-                <a:spcPts val="0"/>
-              </a:spcAft>
-              <a:buSzPts val="12000"/>
-              <a:buNone/>
-              <a:defRPr sz="7200"/>
-            </a:lvl1pPr>
-            <a:lvl2pPr lvl="1" algn="ctr" rtl="0">
-              <a:spcBef>
-                <a:spcPts val="0"/>
-              </a:spcBef>
-              <a:spcAft>
-                <a:spcPts val="0"/>
-              </a:spcAft>
-              <a:buSzPts val="12000"/>
-              <a:buNone/>
-              <a:defRPr sz="12000"/>
-            </a:lvl2pPr>
-            <a:lvl3pPr lvl="2" algn="ctr" rtl="0">
-              <a:spcBef>
-                <a:spcPts val="0"/>
-              </a:spcBef>
-              <a:spcAft>
-                <a:spcPts val="0"/>
-              </a:spcAft>
-              <a:buSzPts val="12000"/>
-              <a:buNone/>
-              <a:defRPr sz="12000"/>
-            </a:lvl3pPr>
-            <a:lvl4pPr lvl="3" algn="ctr" rtl="0">
-              <a:spcBef>
-                <a:spcPts val="0"/>
-              </a:spcBef>
-              <a:spcAft>
-                <a:spcPts val="0"/>
-              </a:spcAft>
-              <a:buSzPts val="12000"/>
-              <a:buNone/>
-              <a:defRPr sz="12000"/>
-            </a:lvl4pPr>
-            <a:lvl5pPr lvl="4" algn="ctr" rtl="0">
-              <a:spcBef>
-                <a:spcPts val="0"/>
-              </a:spcBef>
-              <a:spcAft>
-                <a:spcPts val="0"/>
-              </a:spcAft>
-              <a:buSzPts val="12000"/>
-              <a:buNone/>
-              <a:defRPr sz="12000"/>
-            </a:lvl5pPr>
-            <a:lvl6pPr lvl="5" algn="ctr" rtl="0">
-              <a:spcBef>
-                <a:spcPts val="0"/>
-              </a:spcBef>
-              <a:spcAft>
-                <a:spcPts val="0"/>
-              </a:spcAft>
-              <a:buSzPts val="12000"/>
-              <a:buNone/>
-              <a:defRPr sz="12000"/>
-            </a:lvl6pPr>
-            <a:lvl7pPr lvl="6" algn="ctr" rtl="0">
-              <a:spcBef>
-                <a:spcPts val="0"/>
-              </a:spcBef>
-              <a:spcAft>
-                <a:spcPts val="0"/>
-              </a:spcAft>
-              <a:buSzPts val="12000"/>
-              <a:buNone/>
-              <a:defRPr sz="12000"/>
-            </a:lvl7pPr>
-            <a:lvl8pPr lvl="7" algn="ctr" rtl="0">
-              <a:spcBef>
-                <a:spcPts val="0"/>
-              </a:spcBef>
-              <a:spcAft>
-                <a:spcPts val="0"/>
-              </a:spcAft>
-              <a:buSzPts val="12000"/>
-              <a:buNone/>
-              <a:defRPr sz="12000"/>
-            </a:lvl8pPr>
-            <a:lvl9pPr lvl="8" algn="ctr" rtl="0">
-              <a:spcBef>
-                <a:spcPts val="0"/>
-              </a:spcBef>
-              <a:spcAft>
-                <a:spcPts val="0"/>
-              </a:spcAft>
-              <a:buSzPts val="12000"/>
-              <a:buNone/>
-              <a:defRPr sz="12000"/>
-            </a:lvl9pPr>
-          </a:lstStyle>
-          <a:p>
-            <a:r>
-              <a:t>xx%</a:t>
-            </a:r>
-          </a:p>
-        </p:txBody>
-      </p:sp>
-      <p:sp>
-        <p:nvSpPr>
-          <p:cNvPr id="87" name="Google Shape;87;p19"/>
-          <p:cNvSpPr txBox="1">
-            <a:spLocks noGrp="1"/>
-          </p:cNvSpPr>
-          <p:nvPr>
-            <p:ph type="subTitle" idx="1"/>
-          </p:nvPr>
-        </p:nvSpPr>
-        <p:spPr>
-          <a:xfrm>
-            <a:off x="1227500" y="3764400"/>
-            <a:ext cx="4474800" cy="486300"/>
-          </a:xfrm>
-          <a:prstGeom prst="rect">
-            <a:avLst/>
-          </a:prstGeom>
-        </p:spPr>
-        <p:txBody>
-          <a:bodyPr spcFirstLastPara="1" wrap="square" lIns="91425" tIns="91425" rIns="91425" bIns="91425" anchor="t" anchorCtr="0">
-            <a:noAutofit/>
-          </a:bodyPr>
-          <a:lstStyle>
-            <a:lvl1pPr lvl="0" algn="ctr" rtl="0">
-              <a:spcBef>
-                <a:spcPts val="0"/>
-              </a:spcBef>
-              <a:spcAft>
-                <a:spcPts val="0"/>
-              </a:spcAft>
-              <a:buSzPts val="1600"/>
-              <a:buNone/>
-              <a:defRPr/>
-            </a:lvl1pPr>
-            <a:lvl2pPr lvl="1" rtl="0">
-              <a:spcBef>
-                <a:spcPts val="0"/>
-              </a:spcBef>
-              <a:spcAft>
-                <a:spcPts val="0"/>
-              </a:spcAft>
-              <a:buSzPts val="1600"/>
-              <a:buNone/>
-              <a:defRPr/>
-            </a:lvl2pPr>
-            <a:lvl3pPr lvl="2" rtl="0">
-              <a:spcBef>
-                <a:spcPts val="0"/>
-              </a:spcBef>
-              <a:spcAft>
-                <a:spcPts val="0"/>
-              </a:spcAft>
-              <a:buSzPts val="1600"/>
-              <a:buNone/>
-              <a:defRPr/>
-            </a:lvl3pPr>
-            <a:lvl4pPr lvl="3" rtl="0">
-              <a:spcBef>
-                <a:spcPts val="0"/>
-              </a:spcBef>
-              <a:spcAft>
-                <a:spcPts val="0"/>
-              </a:spcAft>
-              <a:buSzPts val="1600"/>
-              <a:buNone/>
-              <a:defRPr/>
-            </a:lvl4pPr>
-            <a:lvl5pPr lvl="4" rtl="0">
-              <a:spcBef>
-                <a:spcPts val="0"/>
-              </a:spcBef>
-              <a:spcAft>
-                <a:spcPts val="0"/>
-              </a:spcAft>
-              <a:buSzPts val="1600"/>
-              <a:buNone/>
-              <a:defRPr/>
-            </a:lvl5pPr>
-            <a:lvl6pPr lvl="5" rtl="0">
-              <a:spcBef>
-                <a:spcPts val="0"/>
-              </a:spcBef>
-              <a:spcAft>
-                <a:spcPts val="0"/>
-              </a:spcAft>
-              <a:buSzPts val="1600"/>
-              <a:buNone/>
-              <a:defRPr/>
-            </a:lvl6pPr>
-            <a:lvl7pPr lvl="6" rtl="0">
-              <a:spcBef>
-                <a:spcPts val="0"/>
-              </a:spcBef>
-              <a:spcAft>
-                <a:spcPts val="0"/>
-              </a:spcAft>
-              <a:buSzPts val="1600"/>
-              <a:buNone/>
-              <a:defRPr/>
-            </a:lvl7pPr>
-            <a:lvl8pPr lvl="7" rtl="0">
-              <a:spcBef>
-                <a:spcPts val="0"/>
-              </a:spcBef>
-              <a:spcAft>
-                <a:spcPts val="0"/>
-              </a:spcAft>
-              <a:buSzPts val="1600"/>
-              <a:buNone/>
-              <a:defRPr/>
-            </a:lvl8pPr>
-            <a:lvl9pPr lvl="8" rtl="0">
-              <a:spcBef>
-                <a:spcPts val="0"/>
-              </a:spcBef>
-              <a:spcAft>
-                <a:spcPts val="0"/>
-              </a:spcAft>
-              <a:buSzPts val="1600"/>
-              <a:buNone/>
-              <a:defRPr/>
-            </a:lvl9pPr>
-          </a:lstStyle>
-          <a:p>
-            <a:endParaRPr/>
-          </a:p>
-        </p:txBody>
-      </p:sp>
-    </p:spTree>
-  </p:cSld>
-  <p:clrMapOvr>
-    <a:masterClrMapping/>
-  </p:clrMapOvr>
-</p:sldLayout>
-</file>
-
-<file path=ppt/slideLayouts/slideLayout5.xml><?xml version="1.0" encoding="utf-8"?>
 <p:sldLayout xmlns:a="http://schemas.openxmlformats.org/drawingml/2006/main" xmlns:r="http://schemas.openxmlformats.org/officeDocument/2006/relationships" xmlns:p="http://schemas.openxmlformats.org/presentationml/2006/main" matchingName="Title and three columns 2">
   <p:cSld name="CUSTOM_2_1_1_2">
     <p:bg>
@@ -3174,174 +2504,7 @@
 </p:sldLayout>
 </file>
 
-<file path=ppt/slideLayouts/slideLayout6.xml><?xml version="1.0" encoding="utf-8"?>
-<p:sldLayout xmlns:a="http://schemas.openxmlformats.org/drawingml/2006/main" xmlns:r="http://schemas.openxmlformats.org/officeDocument/2006/relationships" xmlns:p="http://schemas.openxmlformats.org/presentationml/2006/main" matchingName="Title only 3">
-  <p:cSld name="CUSTOM_1_1_1_1_1_1_1">
-    <p:bg>
-      <p:bgPr>
-        <a:blipFill>
-          <a:blip r:embed="rId2">
-            <a:alphaModFix/>
-          </a:blip>
-          <a:stretch>
-            <a:fillRect/>
-          </a:stretch>
-        </a:blipFill>
-        <a:effectLst/>
-      </p:bgPr>
-    </p:bg>
-    <p:spTree>
-      <p:nvGrpSpPr>
-        <p:cNvPr id="1" name="Shape 245"/>
-        <p:cNvGrpSpPr/>
-        <p:nvPr/>
-      </p:nvGrpSpPr>
-      <p:grpSpPr>
-        <a:xfrm>
-          <a:off x="0" y="0"/>
-          <a:ext cx="0" cy="0"/>
-          <a:chOff x="0" y="0"/>
-          <a:chExt cx="0" cy="0"/>
-        </a:xfrm>
-      </p:grpSpPr>
-      <p:sp>
-        <p:nvSpPr>
-          <p:cNvPr id="246" name="Google Shape;246;p44"/>
-          <p:cNvSpPr txBox="1">
-            <a:spLocks noGrp="1"/>
-          </p:cNvSpPr>
-          <p:nvPr>
-            <p:ph type="title"/>
-          </p:nvPr>
-        </p:nvSpPr>
-        <p:spPr>
-          <a:xfrm>
-            <a:off x="713225" y="539500"/>
-            <a:ext cx="7717500" cy="572700"/>
-          </a:xfrm>
-          <a:prstGeom prst="rect">
-            <a:avLst/>
-          </a:prstGeom>
-        </p:spPr>
-        <p:txBody>
-          <a:bodyPr spcFirstLastPara="1" wrap="square" lIns="91425" tIns="91425" rIns="91425" bIns="91425" anchor="t" anchorCtr="0">
-            <a:noAutofit/>
-          </a:bodyPr>
-          <a:lstStyle>
-            <a:lvl1pPr lvl="0" rtl="0">
-              <a:spcBef>
-                <a:spcPts val="0"/>
-              </a:spcBef>
-              <a:spcAft>
-                <a:spcPts val="0"/>
-              </a:spcAft>
-              <a:buSzPts val="3200"/>
-              <a:buNone/>
-              <a:defRPr/>
-            </a:lvl1pPr>
-            <a:lvl2pPr lvl="1" rtl="0">
-              <a:spcBef>
-                <a:spcPts val="0"/>
-              </a:spcBef>
-              <a:spcAft>
-                <a:spcPts val="0"/>
-              </a:spcAft>
-              <a:buSzPts val="3200"/>
-              <a:buNone/>
-              <a:defRPr/>
-            </a:lvl2pPr>
-            <a:lvl3pPr lvl="2" rtl="0">
-              <a:spcBef>
-                <a:spcPts val="0"/>
-              </a:spcBef>
-              <a:spcAft>
-                <a:spcPts val="0"/>
-              </a:spcAft>
-              <a:buSzPts val="3200"/>
-              <a:buNone/>
-              <a:defRPr/>
-            </a:lvl3pPr>
-            <a:lvl4pPr lvl="3" rtl="0">
-              <a:spcBef>
-                <a:spcPts val="0"/>
-              </a:spcBef>
-              <a:spcAft>
-                <a:spcPts val="0"/>
-              </a:spcAft>
-              <a:buSzPts val="3200"/>
-              <a:buNone/>
-              <a:defRPr/>
-            </a:lvl4pPr>
-            <a:lvl5pPr lvl="4" rtl="0">
-              <a:spcBef>
-                <a:spcPts val="0"/>
-              </a:spcBef>
-              <a:spcAft>
-                <a:spcPts val="0"/>
-              </a:spcAft>
-              <a:buSzPts val="3200"/>
-              <a:buNone/>
-              <a:defRPr/>
-            </a:lvl5pPr>
-            <a:lvl6pPr lvl="5" rtl="0">
-              <a:spcBef>
-                <a:spcPts val="0"/>
-              </a:spcBef>
-              <a:spcAft>
-                <a:spcPts val="0"/>
-              </a:spcAft>
-              <a:buSzPts val="3200"/>
-              <a:buNone/>
-              <a:defRPr/>
-            </a:lvl6pPr>
-            <a:lvl7pPr lvl="6" rtl="0">
-              <a:spcBef>
-                <a:spcPts val="0"/>
-              </a:spcBef>
-              <a:spcAft>
-                <a:spcPts val="0"/>
-              </a:spcAft>
-              <a:buSzPts val="3200"/>
-              <a:buNone/>
-              <a:defRPr/>
-            </a:lvl7pPr>
-            <a:lvl8pPr lvl="7" rtl="0">
-              <a:spcBef>
-                <a:spcPts val="0"/>
-              </a:spcBef>
-              <a:spcAft>
-                <a:spcPts val="0"/>
-              </a:spcAft>
-              <a:buSzPts val="3200"/>
-              <a:buNone/>
-              <a:defRPr/>
-            </a:lvl8pPr>
-            <a:lvl9pPr lvl="8" rtl="0">
-              <a:spcBef>
-                <a:spcPts val="0"/>
-              </a:spcBef>
-              <a:spcAft>
-                <a:spcPts val="0"/>
-              </a:spcAft>
-              <a:buSzPts val="3200"/>
-              <a:buNone/>
-              <a:defRPr/>
-            </a:lvl9pPr>
-          </a:lstStyle>
-          <a:p>
-            <a:endParaRPr/>
-          </a:p>
-        </p:txBody>
-      </p:sp>
-    </p:spTree>
-  </p:cSld>
-  <p:clrMapOvr>
-    <a:masterClrMapping/>
-  </p:clrMapOvr>
-</p:sldLayout>
-</file>
-
-<file path=ppt/slideLayouts/slideLayout7.xml><?xml version="1.0" encoding="utf-8"?>
+<file path=ppt/slideLayouts/slideLayout5.xml><?xml version="1.0" encoding="utf-8"?>
 <p:sldLayout xmlns:a="http://schemas.openxmlformats.org/drawingml/2006/main" xmlns:r="http://schemas.openxmlformats.org/officeDocument/2006/relationships" xmlns:p="http://schemas.openxmlformats.org/presentationml/2006/main" matchingName="Background">
   <p:cSld name="CUSTOM_6">
     <p:spTree>
@@ -3366,7 +2529,7 @@
 </p:sldLayout>
 </file>
 
-<file path=ppt/slideLayouts/slideLayout8.xml><?xml version="1.0" encoding="utf-8"?>
+<file path=ppt/slideLayouts/slideLayout6.xml><?xml version="1.0" encoding="utf-8"?>
 <p:sldLayout xmlns:a="http://schemas.openxmlformats.org/drawingml/2006/main" xmlns:r="http://schemas.openxmlformats.org/officeDocument/2006/relationships" xmlns:p="http://schemas.openxmlformats.org/presentationml/2006/main" matchingName="Background 1">
   <p:cSld name="CUSTOM_6_1">
     <p:bg>
@@ -3404,7 +2567,7 @@
 </p:sldLayout>
 </file>
 
-<file path=ppt/slideLayouts/slideLayout9.xml><?xml version="1.0" encoding="utf-8"?>
+<file path=ppt/slideLayouts/slideLayout7.xml><?xml version="1.0" encoding="utf-8"?>
 <p:sldLayout xmlns:a="http://schemas.openxmlformats.org/drawingml/2006/main" xmlns:r="http://schemas.openxmlformats.org/officeDocument/2006/relationships" xmlns:p="http://schemas.openxmlformats.org/presentationml/2006/main" matchingName="Background 2">
   <p:cSld name="CUSTOM_6_1_1">
     <p:bg>
@@ -3423,6 +2586,44 @@
     <p:spTree>
       <p:nvGrpSpPr>
         <p:cNvPr id="1" name="Shape 257"/>
+        <p:cNvGrpSpPr/>
+        <p:nvPr/>
+      </p:nvGrpSpPr>
+      <p:grpSpPr>
+        <a:xfrm>
+          <a:off x="0" y="0"/>
+          <a:ext cx="0" cy="0"/>
+          <a:chOff x="0" y="0"/>
+          <a:chExt cx="0" cy="0"/>
+        </a:xfrm>
+      </p:grpSpPr>
+    </p:spTree>
+  </p:cSld>
+  <p:clrMapOvr>
+    <a:masterClrMapping/>
+  </p:clrMapOvr>
+</p:sldLayout>
+</file>
+
+<file path=ppt/slideLayouts/slideLayout8.xml><?xml version="1.0" encoding="utf-8"?>
+<p:sldLayout xmlns:a="http://schemas.openxmlformats.org/drawingml/2006/main" xmlns:r="http://schemas.openxmlformats.org/officeDocument/2006/relationships" xmlns:p="http://schemas.openxmlformats.org/presentationml/2006/main" matchingName="Background 3">
+  <p:cSld name="CUSTOM_6_1_1_1">
+    <p:bg>
+      <p:bgPr>
+        <a:blipFill>
+          <a:blip r:embed="rId2">
+            <a:alphaModFix/>
+          </a:blip>
+          <a:stretch>
+            <a:fillRect/>
+          </a:stretch>
+        </a:blipFill>
+        <a:effectLst/>
+      </p:bgPr>
+    </p:bg>
+    <p:spTree>
+      <p:nvGrpSpPr>
+        <p:cNvPr id="1" name="Shape 258"/>
         <p:cNvGrpSpPr/>
         <p:nvPr/>
       </p:nvGrpSpPr>
@@ -3983,13 +3184,11 @@
     <p:sldLayoutId id="2147483648" r:id="rId1"/>
     <p:sldLayoutId id="2147483652" r:id="rId2"/>
     <p:sldLayoutId id="2147483658" r:id="rId3"/>
-    <p:sldLayoutId id="2147483665" r:id="rId4"/>
-    <p:sldLayoutId id="2147483671" r:id="rId5"/>
-    <p:sldLayoutId id="2147483690" r:id="rId6"/>
-    <p:sldLayoutId id="2147483694" r:id="rId7"/>
-    <p:sldLayoutId id="2147483695" r:id="rId8"/>
-    <p:sldLayoutId id="2147483696" r:id="rId9"/>
-    <p:sldLayoutId id="2147483697" r:id="rId10"/>
+    <p:sldLayoutId id="2147483671" r:id="rId4"/>
+    <p:sldLayoutId id="2147483694" r:id="rId5"/>
+    <p:sldLayoutId id="2147483695" r:id="rId6"/>
+    <p:sldLayoutId id="2147483696" r:id="rId7"/>
+    <p:sldLayoutId id="2147483697" r:id="rId8"/>
   </p:sldLayoutIdLst>
   <p:hf sldNum="0" hdr="0" ftr="0" dt="0"/>
   <p:txStyles>
@@ -5208,2787 +4407,6 @@
           </a:prstGeom>
         </p:spPr>
       </p:pic>
-    </p:spTree>
-  </p:cSld>
-  <p:clrMapOvr>
-    <a:masterClrMapping/>
-  </p:clrMapOvr>
-</p:sld>
-</file>
-
-<file path=ppt/slides/slide4.xml><?xml version="1.0" encoding="utf-8"?>
-<p:sld xmlns:a="http://schemas.openxmlformats.org/drawingml/2006/main" xmlns:r="http://schemas.openxmlformats.org/officeDocument/2006/relationships" xmlns:p="http://schemas.openxmlformats.org/presentationml/2006/main">
-  <p:cSld>
-    <p:spTree>
-      <p:nvGrpSpPr>
-        <p:cNvPr id="1" name="Shape 708"/>
-        <p:cNvGrpSpPr/>
-        <p:nvPr/>
-      </p:nvGrpSpPr>
-      <p:grpSpPr>
-        <a:xfrm>
-          <a:off x="0" y="0"/>
-          <a:ext cx="0" cy="0"/>
-          <a:chOff x="0" y="0"/>
-          <a:chExt cx="0" cy="0"/>
-        </a:xfrm>
-      </p:grpSpPr>
-      <p:sp>
-        <p:nvSpPr>
-          <p:cNvPr id="709" name="Google Shape;709;p82"/>
-          <p:cNvSpPr/>
-          <p:nvPr/>
-        </p:nvSpPr>
-        <p:spPr>
-          <a:xfrm>
-            <a:off x="1456100" y="1045208"/>
-            <a:ext cx="1841400" cy="1841400"/>
-          </a:xfrm>
-          <a:prstGeom prst="ellipse">
-            <a:avLst/>
-          </a:prstGeom>
-          <a:noFill/>
-          <a:ln w="9525" cap="flat" cmpd="sng">
-            <a:solidFill>
-              <a:schemeClr val="lt1"/>
-            </a:solidFill>
-            <a:prstDash val="solid"/>
-            <a:round/>
-            <a:headEnd type="none" w="sm" len="sm"/>
-            <a:tailEnd type="none" w="sm" len="sm"/>
-          </a:ln>
-        </p:spPr>
-        <p:txBody>
-          <a:bodyPr spcFirstLastPara="1" wrap="square" lIns="91425" tIns="91425" rIns="91425" bIns="91425" anchor="ctr" anchorCtr="0">
-            <a:noAutofit/>
-          </a:bodyPr>
-          <a:lstStyle/>
-          <a:p>
-            <a:pPr marL="0" lvl="0" indent="0" algn="l" rtl="0">
-              <a:spcBef>
-                <a:spcPts val="0"/>
-              </a:spcBef>
-              <a:spcAft>
-                <a:spcPts val="0"/>
-              </a:spcAft>
-              <a:buNone/>
-            </a:pPr>
-            <a:endParaRPr/>
-          </a:p>
-        </p:txBody>
-      </p:sp>
-      <p:sp>
-        <p:nvSpPr>
-          <p:cNvPr id="710" name="Google Shape;710;p82"/>
-          <p:cNvSpPr txBox="1">
-            <a:spLocks noGrp="1"/>
-          </p:cNvSpPr>
-          <p:nvPr>
-            <p:ph type="title"/>
-          </p:nvPr>
-        </p:nvSpPr>
-        <p:spPr>
-          <a:xfrm>
-            <a:off x="1227500" y="2886600"/>
-            <a:ext cx="4474800" cy="877800"/>
-          </a:xfrm>
-          <a:prstGeom prst="rect">
-            <a:avLst/>
-          </a:prstGeom>
-        </p:spPr>
-        <p:txBody>
-          <a:bodyPr spcFirstLastPara="1" wrap="square" lIns="91425" tIns="91425" rIns="91425" bIns="91425" anchor="b" anchorCtr="0">
-            <a:noAutofit/>
-          </a:bodyPr>
-          <a:lstStyle/>
-          <a:p>
-            <a:pPr marL="0" lvl="0" indent="0" algn="ctr" rtl="0">
-              <a:spcBef>
-                <a:spcPts val="0"/>
-              </a:spcBef>
-              <a:spcAft>
-                <a:spcPts val="0"/>
-              </a:spcAft>
-              <a:buNone/>
-            </a:pPr>
-            <a:r>
-              <a:rPr lang="en"/>
-              <a:t>Clinical trial</a:t>
-            </a:r>
-            <a:endParaRPr/>
-          </a:p>
-        </p:txBody>
-      </p:sp>
-      <p:sp>
-        <p:nvSpPr>
-          <p:cNvPr id="711" name="Google Shape;711;p82"/>
-          <p:cNvSpPr txBox="1">
-            <a:spLocks noGrp="1"/>
-          </p:cNvSpPr>
-          <p:nvPr>
-            <p:ph type="title" idx="2"/>
-          </p:nvPr>
-        </p:nvSpPr>
-        <p:spPr>
-          <a:xfrm>
-            <a:off x="1649900" y="1413900"/>
-            <a:ext cx="1453800" cy="1104000"/>
-          </a:xfrm>
-          <a:prstGeom prst="rect">
-            <a:avLst/>
-          </a:prstGeom>
-        </p:spPr>
-        <p:txBody>
-          <a:bodyPr spcFirstLastPara="1" wrap="square" lIns="91425" tIns="91425" rIns="91425" bIns="91425" anchor="ctr" anchorCtr="0">
-            <a:noAutofit/>
-          </a:bodyPr>
-          <a:lstStyle/>
-          <a:p>
-            <a:pPr marL="0" lvl="0" indent="0" algn="ctr" rtl="0">
-              <a:spcBef>
-                <a:spcPts val="0"/>
-              </a:spcBef>
-              <a:spcAft>
-                <a:spcPts val="0"/>
-              </a:spcAft>
-              <a:buNone/>
-            </a:pPr>
-            <a:r>
-              <a:rPr lang="en"/>
-              <a:t>03</a:t>
-            </a:r>
-            <a:endParaRPr/>
-          </a:p>
-        </p:txBody>
-      </p:sp>
-      <p:sp>
-        <p:nvSpPr>
-          <p:cNvPr id="712" name="Google Shape;712;p82"/>
-          <p:cNvSpPr txBox="1">
-            <a:spLocks noGrp="1"/>
-          </p:cNvSpPr>
-          <p:nvPr>
-            <p:ph type="subTitle" idx="1"/>
-          </p:nvPr>
-        </p:nvSpPr>
-        <p:spPr>
-          <a:xfrm>
-            <a:off x="1227500" y="3764400"/>
-            <a:ext cx="4474800" cy="486300"/>
-          </a:xfrm>
-          <a:prstGeom prst="rect">
-            <a:avLst/>
-          </a:prstGeom>
-        </p:spPr>
-        <p:txBody>
-          <a:bodyPr spcFirstLastPara="1" wrap="square" lIns="91425" tIns="91425" rIns="91425" bIns="91425" anchor="t" anchorCtr="0">
-            <a:noAutofit/>
-          </a:bodyPr>
-          <a:lstStyle/>
-          <a:p>
-            <a:pPr marL="0" lvl="0" indent="0" algn="ctr" rtl="0">
-              <a:spcBef>
-                <a:spcPts val="0"/>
-              </a:spcBef>
-              <a:spcAft>
-                <a:spcPts val="0"/>
-              </a:spcAft>
-              <a:buNone/>
-            </a:pPr>
-            <a:r>
-              <a:rPr lang="en"/>
-              <a:t>You can enter a subtitle here if you need it</a:t>
-            </a:r>
-            <a:endParaRPr/>
-          </a:p>
-        </p:txBody>
-      </p:sp>
-      <p:grpSp>
-        <p:nvGrpSpPr>
-          <p:cNvPr id="713" name="Google Shape;713;p82"/>
-          <p:cNvGrpSpPr/>
-          <p:nvPr/>
-        </p:nvGrpSpPr>
-        <p:grpSpPr>
-          <a:xfrm>
-            <a:off x="7489192" y="2463417"/>
-            <a:ext cx="219701" cy="216833"/>
-            <a:chOff x="6232000" y="1435050"/>
-            <a:chExt cx="488225" cy="481850"/>
-          </a:xfrm>
-        </p:grpSpPr>
-        <p:sp>
-          <p:nvSpPr>
-            <p:cNvPr id="714" name="Google Shape;714;p82"/>
-            <p:cNvSpPr/>
-            <p:nvPr/>
-          </p:nvSpPr>
-          <p:spPr>
-            <a:xfrm>
-              <a:off x="6578000" y="1463375"/>
-              <a:ext cx="83150" cy="78250"/>
-            </a:xfrm>
-            <a:custGeom>
-              <a:avLst/>
-              <a:gdLst/>
-              <a:ahLst/>
-              <a:cxnLst/>
-              <a:rect l="l" t="t" r="r" b="b"/>
-              <a:pathLst>
-                <a:path w="3326" h="3130" extrusionOk="0">
-                  <a:moveTo>
-                    <a:pt x="482" y="1"/>
-                  </a:moveTo>
-                  <a:cubicBezTo>
-                    <a:pt x="280" y="1"/>
-                    <a:pt x="95" y="114"/>
-                    <a:pt x="1" y="293"/>
-                  </a:cubicBezTo>
-                  <a:lnTo>
-                    <a:pt x="3322" y="3130"/>
-                  </a:lnTo>
-                  <a:lnTo>
-                    <a:pt x="3322" y="564"/>
-                  </a:lnTo>
-                  <a:cubicBezTo>
-                    <a:pt x="3325" y="253"/>
-                    <a:pt x="3072" y="1"/>
-                    <a:pt x="2761" y="1"/>
-                  </a:cubicBezTo>
-                  <a:cubicBezTo>
-                    <a:pt x="2760" y="1"/>
-                    <a:pt x="2758" y="1"/>
-                    <a:pt x="2756" y="1"/>
-                  </a:cubicBezTo>
-                  <a:lnTo>
-                    <a:pt x="497" y="1"/>
-                  </a:lnTo>
-                  <a:cubicBezTo>
-                    <a:pt x="492" y="1"/>
-                    <a:pt x="487" y="1"/>
-                    <a:pt x="482" y="1"/>
-                  </a:cubicBezTo>
-                  <a:close/>
-                </a:path>
-              </a:pathLst>
-            </a:custGeom>
-            <a:solidFill>
-              <a:schemeClr val="lt1"/>
-            </a:solidFill>
-            <a:ln>
-              <a:noFill/>
-            </a:ln>
-          </p:spPr>
-          <p:txBody>
-            <a:bodyPr spcFirstLastPara="1" wrap="square" lIns="91425" tIns="91425" rIns="91425" bIns="91425" anchor="ctr" anchorCtr="0">
-              <a:noAutofit/>
-            </a:bodyPr>
-            <a:lstStyle/>
-            <a:p>
-              <a:pPr marL="0" lvl="0" indent="0" algn="l" rtl="0">
-                <a:spcBef>
-                  <a:spcPts val="0"/>
-                </a:spcBef>
-                <a:spcAft>
-                  <a:spcPts val="0"/>
-                </a:spcAft>
-                <a:buNone/>
-              </a:pPr>
-              <a:endParaRPr>
-                <a:solidFill>
-                  <a:srgbClr val="435D74"/>
-                </a:solidFill>
-              </a:endParaRPr>
-            </a:p>
-          </p:txBody>
-        </p:sp>
-        <p:sp>
-          <p:nvSpPr>
-            <p:cNvPr id="715" name="Google Shape;715;p82"/>
-            <p:cNvSpPr/>
-            <p:nvPr/>
-          </p:nvSpPr>
-          <p:spPr>
-            <a:xfrm>
-              <a:off x="6421725" y="1773850"/>
-              <a:ext cx="112950" cy="143050"/>
-            </a:xfrm>
-            <a:custGeom>
-              <a:avLst/>
-              <a:gdLst/>
-              <a:ahLst/>
-              <a:cxnLst/>
-              <a:rect l="l" t="t" r="r" b="b"/>
-              <a:pathLst>
-                <a:path w="4518" h="5722" extrusionOk="0">
-                  <a:moveTo>
-                    <a:pt x="2822" y="1130"/>
-                  </a:moveTo>
-                  <a:cubicBezTo>
-                    <a:pt x="3325" y="1130"/>
-                    <a:pt x="3578" y="1738"/>
-                    <a:pt x="3222" y="2093"/>
-                  </a:cubicBezTo>
-                  <a:cubicBezTo>
-                    <a:pt x="3106" y="2209"/>
-                    <a:pt x="2964" y="2260"/>
-                    <a:pt x="2825" y="2260"/>
-                  </a:cubicBezTo>
-                  <a:cubicBezTo>
-                    <a:pt x="2535" y="2260"/>
-                    <a:pt x="2259" y="2036"/>
-                    <a:pt x="2259" y="1696"/>
-                  </a:cubicBezTo>
-                  <a:cubicBezTo>
-                    <a:pt x="2259" y="1383"/>
-                    <a:pt x="2509" y="1130"/>
-                    <a:pt x="2822" y="1130"/>
-                  </a:cubicBezTo>
-                  <a:close/>
-                  <a:moveTo>
-                    <a:pt x="0" y="1"/>
-                  </a:moveTo>
-                  <a:lnTo>
-                    <a:pt x="0" y="5722"/>
-                  </a:lnTo>
-                  <a:lnTo>
-                    <a:pt x="4517" y="5722"/>
-                  </a:lnTo>
-                  <a:lnTo>
-                    <a:pt x="4517" y="1"/>
-                  </a:lnTo>
-                  <a:close/>
-                </a:path>
-              </a:pathLst>
-            </a:custGeom>
-            <a:solidFill>
-              <a:schemeClr val="lt1"/>
-            </a:solidFill>
-            <a:ln>
-              <a:noFill/>
-            </a:ln>
-          </p:spPr>
-          <p:txBody>
-            <a:bodyPr spcFirstLastPara="1" wrap="square" lIns="91425" tIns="91425" rIns="91425" bIns="91425" anchor="ctr" anchorCtr="0">
-              <a:noAutofit/>
-            </a:bodyPr>
-            <a:lstStyle/>
-            <a:p>
-              <a:pPr marL="0" lvl="0" indent="0" algn="l" rtl="0">
-                <a:spcBef>
-                  <a:spcPts val="0"/>
-                </a:spcBef>
-                <a:spcAft>
-                  <a:spcPts val="0"/>
-                </a:spcAft>
-                <a:buNone/>
-              </a:pPr>
-              <a:endParaRPr>
-                <a:solidFill>
-                  <a:srgbClr val="435D74"/>
-                </a:solidFill>
-              </a:endParaRPr>
-            </a:p>
-          </p:txBody>
-        </p:sp>
-        <p:sp>
-          <p:nvSpPr>
-            <p:cNvPr id="716" name="Google Shape;716;p82"/>
-            <p:cNvSpPr/>
-            <p:nvPr/>
-          </p:nvSpPr>
-          <p:spPr>
-            <a:xfrm>
-              <a:off x="6448975" y="1632700"/>
-              <a:ext cx="56475" cy="56475"/>
-            </a:xfrm>
-            <a:custGeom>
-              <a:avLst/>
-              <a:gdLst/>
-              <a:ahLst/>
-              <a:cxnLst/>
-              <a:rect l="l" t="t" r="r" b="b"/>
-              <a:pathLst>
-                <a:path w="2259" h="2259" extrusionOk="0">
-                  <a:moveTo>
-                    <a:pt x="0" y="0"/>
-                  </a:moveTo>
-                  <a:lnTo>
-                    <a:pt x="0" y="2259"/>
-                  </a:lnTo>
-                  <a:lnTo>
-                    <a:pt x="2259" y="2259"/>
-                  </a:lnTo>
-                  <a:lnTo>
-                    <a:pt x="2259" y="0"/>
-                  </a:lnTo>
-                  <a:close/>
-                </a:path>
-              </a:pathLst>
-            </a:custGeom>
-            <a:solidFill>
-              <a:schemeClr val="lt1"/>
-            </a:solidFill>
-            <a:ln>
-              <a:noFill/>
-            </a:ln>
-          </p:spPr>
-          <p:txBody>
-            <a:bodyPr spcFirstLastPara="1" wrap="square" lIns="91425" tIns="91425" rIns="91425" bIns="91425" anchor="ctr" anchorCtr="0">
-              <a:noAutofit/>
-            </a:bodyPr>
-            <a:lstStyle/>
-            <a:p>
-              <a:pPr marL="0" lvl="0" indent="0" algn="l" rtl="0">
-                <a:spcBef>
-                  <a:spcPts val="0"/>
-                </a:spcBef>
-                <a:spcAft>
-                  <a:spcPts val="0"/>
-                </a:spcAft>
-                <a:buNone/>
-              </a:pPr>
-              <a:endParaRPr>
-                <a:solidFill>
-                  <a:srgbClr val="435D74"/>
-                </a:solidFill>
-              </a:endParaRPr>
-            </a:p>
-          </p:txBody>
-        </p:sp>
-        <p:sp>
-          <p:nvSpPr>
-            <p:cNvPr id="717" name="Google Shape;717;p82"/>
-            <p:cNvSpPr/>
-            <p:nvPr/>
-          </p:nvSpPr>
-          <p:spPr>
-            <a:xfrm>
-              <a:off x="6232000" y="1435050"/>
-              <a:ext cx="488225" cy="237825"/>
-            </a:xfrm>
-            <a:custGeom>
-              <a:avLst/>
-              <a:gdLst/>
-              <a:ahLst/>
-              <a:cxnLst/>
-              <a:rect l="l" t="t" r="r" b="b"/>
-              <a:pathLst>
-                <a:path w="19529" h="9513" extrusionOk="0">
-                  <a:moveTo>
-                    <a:pt x="9821" y="0"/>
-                  </a:moveTo>
-                  <a:cubicBezTo>
-                    <a:pt x="9559" y="0"/>
-                    <a:pt x="9297" y="92"/>
-                    <a:pt x="9086" y="276"/>
-                  </a:cubicBezTo>
-                  <a:lnTo>
-                    <a:pt x="531" y="7521"/>
-                  </a:lnTo>
-                  <a:cubicBezTo>
-                    <a:pt x="61" y="7921"/>
-                    <a:pt x="1" y="8626"/>
-                    <a:pt x="395" y="9099"/>
-                  </a:cubicBezTo>
-                  <a:cubicBezTo>
-                    <a:pt x="620" y="9369"/>
-                    <a:pt x="942" y="9508"/>
-                    <a:pt x="1266" y="9508"/>
-                  </a:cubicBezTo>
-                  <a:cubicBezTo>
-                    <a:pt x="1525" y="9508"/>
-                    <a:pt x="1785" y="9419"/>
-                    <a:pt x="1997" y="9237"/>
-                  </a:cubicBezTo>
-                  <a:lnTo>
-                    <a:pt x="9821" y="2622"/>
-                  </a:lnTo>
-                  <a:lnTo>
-                    <a:pt x="17544" y="9240"/>
-                  </a:lnTo>
-                  <a:cubicBezTo>
-                    <a:pt x="17759" y="9425"/>
-                    <a:pt x="18019" y="9513"/>
-                    <a:pt x="18278" y="9513"/>
-                  </a:cubicBezTo>
-                  <a:cubicBezTo>
-                    <a:pt x="18661" y="9513"/>
-                    <a:pt x="19039" y="9318"/>
-                    <a:pt x="19252" y="8954"/>
-                  </a:cubicBezTo>
-                  <a:cubicBezTo>
-                    <a:pt x="19529" y="8482"/>
-                    <a:pt x="19430" y="7879"/>
-                    <a:pt x="19014" y="7524"/>
-                  </a:cubicBezTo>
-                  <a:lnTo>
-                    <a:pt x="10555" y="276"/>
-                  </a:lnTo>
-                  <a:cubicBezTo>
-                    <a:pt x="10345" y="92"/>
-                    <a:pt x="10083" y="0"/>
-                    <a:pt x="9821" y="0"/>
-                  </a:cubicBezTo>
-                  <a:close/>
-                </a:path>
-              </a:pathLst>
-            </a:custGeom>
-            <a:solidFill>
-              <a:schemeClr val="lt1"/>
-            </a:solidFill>
-            <a:ln>
-              <a:noFill/>
-            </a:ln>
-          </p:spPr>
-          <p:txBody>
-            <a:bodyPr spcFirstLastPara="1" wrap="square" lIns="91425" tIns="91425" rIns="91425" bIns="91425" anchor="ctr" anchorCtr="0">
-              <a:noAutofit/>
-            </a:bodyPr>
-            <a:lstStyle/>
-            <a:p>
-              <a:pPr marL="0" lvl="0" indent="0" algn="l" rtl="0">
-                <a:spcBef>
-                  <a:spcPts val="0"/>
-                </a:spcBef>
-                <a:spcAft>
-                  <a:spcPts val="0"/>
-                </a:spcAft>
-                <a:buNone/>
-              </a:pPr>
-              <a:endParaRPr>
-                <a:solidFill>
-                  <a:srgbClr val="435D74"/>
-                </a:solidFill>
-              </a:endParaRPr>
-            </a:p>
-          </p:txBody>
-        </p:sp>
-        <p:sp>
-          <p:nvSpPr>
-            <p:cNvPr id="718" name="Google Shape;718;p82"/>
-            <p:cNvSpPr/>
-            <p:nvPr/>
-          </p:nvSpPr>
-          <p:spPr>
-            <a:xfrm>
-              <a:off x="6291025" y="1537700"/>
-              <a:ext cx="369800" cy="379200"/>
-            </a:xfrm>
-            <a:custGeom>
-              <a:avLst/>
-              <a:gdLst/>
-              <a:ahLst/>
-              <a:cxnLst/>
-              <a:rect l="l" t="t" r="r" b="b"/>
-              <a:pathLst>
-                <a:path w="14792" h="15168" extrusionOk="0">
-                  <a:moveTo>
-                    <a:pt x="9143" y="2671"/>
-                  </a:moveTo>
-                  <a:cubicBezTo>
-                    <a:pt x="9453" y="2671"/>
-                    <a:pt x="9706" y="2924"/>
-                    <a:pt x="9706" y="3237"/>
-                  </a:cubicBezTo>
-                  <a:lnTo>
-                    <a:pt x="9706" y="6625"/>
-                  </a:lnTo>
-                  <a:cubicBezTo>
-                    <a:pt x="9706" y="6935"/>
-                    <a:pt x="9453" y="7188"/>
-                    <a:pt x="9143" y="7188"/>
-                  </a:cubicBezTo>
-                  <a:lnTo>
-                    <a:pt x="5755" y="7188"/>
-                  </a:lnTo>
-                  <a:cubicBezTo>
-                    <a:pt x="5442" y="7188"/>
-                    <a:pt x="5189" y="6935"/>
-                    <a:pt x="5189" y="6625"/>
-                  </a:cubicBezTo>
-                  <a:lnTo>
-                    <a:pt x="5189" y="3237"/>
-                  </a:lnTo>
-                  <a:cubicBezTo>
-                    <a:pt x="5189" y="2924"/>
-                    <a:pt x="5442" y="2671"/>
-                    <a:pt x="5755" y="2671"/>
-                  </a:cubicBezTo>
-                  <a:close/>
-                  <a:moveTo>
-                    <a:pt x="7448" y="0"/>
-                  </a:moveTo>
-                  <a:lnTo>
-                    <a:pt x="4" y="6291"/>
-                  </a:lnTo>
-                  <a:lnTo>
-                    <a:pt x="4" y="14605"/>
-                  </a:lnTo>
-                  <a:cubicBezTo>
-                    <a:pt x="1" y="14913"/>
-                    <a:pt x="254" y="15168"/>
-                    <a:pt x="564" y="15168"/>
-                  </a:cubicBezTo>
-                  <a:cubicBezTo>
-                    <a:pt x="566" y="15168"/>
-                    <a:pt x="568" y="15168"/>
-                    <a:pt x="570" y="15168"/>
-                  </a:cubicBezTo>
-                  <a:lnTo>
-                    <a:pt x="4060" y="15168"/>
-                  </a:lnTo>
-                  <a:lnTo>
-                    <a:pt x="4060" y="8883"/>
-                  </a:lnTo>
-                  <a:cubicBezTo>
-                    <a:pt x="4060" y="8570"/>
-                    <a:pt x="4313" y="8317"/>
-                    <a:pt x="4626" y="8317"/>
-                  </a:cubicBezTo>
-                  <a:lnTo>
-                    <a:pt x="10272" y="8317"/>
-                  </a:lnTo>
-                  <a:cubicBezTo>
-                    <a:pt x="10582" y="8317"/>
-                    <a:pt x="10835" y="8570"/>
-                    <a:pt x="10835" y="8883"/>
-                  </a:cubicBezTo>
-                  <a:lnTo>
-                    <a:pt x="10835" y="15168"/>
-                  </a:lnTo>
-                  <a:lnTo>
-                    <a:pt x="14223" y="15168"/>
-                  </a:lnTo>
-                  <a:cubicBezTo>
-                    <a:pt x="14225" y="15168"/>
-                    <a:pt x="14227" y="15168"/>
-                    <a:pt x="14228" y="15168"/>
-                  </a:cubicBezTo>
-                  <a:cubicBezTo>
-                    <a:pt x="14539" y="15168"/>
-                    <a:pt x="14792" y="14913"/>
-                    <a:pt x="14789" y="14605"/>
-                  </a:cubicBezTo>
-                  <a:lnTo>
-                    <a:pt x="14789" y="6291"/>
-                  </a:lnTo>
-                  <a:lnTo>
-                    <a:pt x="7448" y="0"/>
-                  </a:lnTo>
-                  <a:close/>
-                </a:path>
-              </a:pathLst>
-            </a:custGeom>
-            <a:solidFill>
-              <a:schemeClr val="lt1"/>
-            </a:solidFill>
-            <a:ln>
-              <a:noFill/>
-            </a:ln>
-          </p:spPr>
-          <p:txBody>
-            <a:bodyPr spcFirstLastPara="1" wrap="square" lIns="91425" tIns="91425" rIns="91425" bIns="91425" anchor="ctr" anchorCtr="0">
-              <a:noAutofit/>
-            </a:bodyPr>
-            <a:lstStyle/>
-            <a:p>
-              <a:pPr marL="0" lvl="0" indent="0" algn="l" rtl="0">
-                <a:spcBef>
-                  <a:spcPts val="0"/>
-                </a:spcBef>
-                <a:spcAft>
-                  <a:spcPts val="0"/>
-                </a:spcAft>
-                <a:buNone/>
-              </a:pPr>
-              <a:endParaRPr>
-                <a:solidFill>
-                  <a:srgbClr val="435D74"/>
-                </a:solidFill>
-              </a:endParaRPr>
-            </a:p>
-          </p:txBody>
-        </p:sp>
-      </p:grpSp>
-      <p:sp>
-        <p:nvSpPr>
-          <p:cNvPr id="719" name="Google Shape;719;p82">
-            <a:hlinkClick r:id="rId3" action="ppaction://hlinksldjump"/>
-          </p:cNvPr>
-          <p:cNvSpPr/>
-          <p:nvPr/>
-        </p:nvSpPr>
-        <p:spPr>
-          <a:xfrm>
-            <a:off x="7385725" y="2358602"/>
-            <a:ext cx="426300" cy="426300"/>
-          </a:xfrm>
-          <a:prstGeom prst="ellipse">
-            <a:avLst/>
-          </a:prstGeom>
-          <a:noFill/>
-          <a:ln w="9525" cap="flat" cmpd="sng">
-            <a:solidFill>
-              <a:schemeClr val="lt1"/>
-            </a:solidFill>
-            <a:prstDash val="solid"/>
-            <a:round/>
-            <a:headEnd type="none" w="sm" len="sm"/>
-            <a:tailEnd type="none" w="sm" len="sm"/>
-          </a:ln>
-        </p:spPr>
-        <p:txBody>
-          <a:bodyPr spcFirstLastPara="1" wrap="square" lIns="91425" tIns="91425" rIns="91425" bIns="91425" anchor="ctr" anchorCtr="0">
-            <a:noAutofit/>
-          </a:bodyPr>
-          <a:lstStyle/>
-          <a:p>
-            <a:pPr marL="0" lvl="0" indent="0" algn="l" rtl="0">
-              <a:spcBef>
-                <a:spcPts val="0"/>
-              </a:spcBef>
-              <a:spcAft>
-                <a:spcPts val="0"/>
-              </a:spcAft>
-              <a:buNone/>
-            </a:pPr>
-            <a:endParaRPr/>
-          </a:p>
-        </p:txBody>
-      </p:sp>
-    </p:spTree>
-  </p:cSld>
-  <p:clrMapOvr>
-    <a:masterClrMapping/>
-  </p:clrMapOvr>
-  <p:timing>
-    <p:tnLst>
-      <p:par>
-        <p:cTn id="1" dur="indefinite" restart="never" nodeType="tmRoot">
-          <p:childTnLst>
-            <p:seq concurrent="1" nextAc="seek">
-              <p:cTn id="2" dur="indefinite" nodeType="mainSeq">
-                <p:childTnLst>
-                  <p:par>
-                    <p:cTn id="3" fill="hold">
-                      <p:stCondLst>
-                        <p:cond delay="indefinite"/>
-                        <p:cond evt="onBegin" delay="0">
-                          <p:tn val="2"/>
-                        </p:cond>
-                      </p:stCondLst>
-                      <p:childTnLst>
-                        <p:par>
-                          <p:cTn id="4" fill="hold">
-                            <p:stCondLst>
-                              <p:cond delay="0"/>
-                            </p:stCondLst>
-                            <p:childTnLst>
-                              <p:par>
-                                <p:cTn id="5" presetID="2" presetClass="entr" presetSubtype="1" fill="hold" nodeType="afterEffect">
-                                  <p:stCondLst>
-                                    <p:cond delay="0"/>
-                                  </p:stCondLst>
-                                  <p:childTnLst>
-                                    <p:set>
-                                      <p:cBhvr>
-                                        <p:cTn id="6" dur="1" fill="hold">
-                                          <p:stCondLst>
-                                            <p:cond delay="0"/>
-                                          </p:stCondLst>
-                                        </p:cTn>
-                                        <p:tgtEl>
-                                          <p:spTgt spid="709"/>
-                                        </p:tgtEl>
-                                        <p:attrNameLst>
-                                          <p:attrName>style.visibility</p:attrName>
-                                        </p:attrNameLst>
-                                      </p:cBhvr>
-                                      <p:to>
-                                        <p:strVal val="visible"/>
-                                      </p:to>
-                                    </p:set>
-                                    <p:anim calcmode="lin" valueType="num">
-                                      <p:cBhvr additive="base">
-                                        <p:cTn id="7" dur="1000"/>
-                                        <p:tgtEl>
-                                          <p:spTgt spid="709"/>
-                                        </p:tgtEl>
-                                        <p:attrNameLst>
-                                          <p:attrName>ppt_y</p:attrName>
-                                        </p:attrNameLst>
-                                      </p:cBhvr>
-                                      <p:tavLst>
-                                        <p:tav tm="0">
-                                          <p:val>
-                                            <p:strVal val="#ppt_y-1"/>
-                                          </p:val>
-                                        </p:tav>
-                                        <p:tav tm="100000">
-                                          <p:val>
-                                            <p:strVal val="#ppt_y"/>
-                                          </p:val>
-                                        </p:tav>
-                                      </p:tavLst>
-                                    </p:anim>
-                                  </p:childTnLst>
-                                </p:cTn>
-                              </p:par>
-                              <p:par>
-                                <p:cTn id="8" presetID="2" presetClass="entr" presetSubtype="1" fill="hold" nodeType="withEffect">
-                                  <p:stCondLst>
-                                    <p:cond delay="0"/>
-                                  </p:stCondLst>
-                                  <p:childTnLst>
-                                    <p:set>
-                                      <p:cBhvr>
-                                        <p:cTn id="9" dur="1" fill="hold">
-                                          <p:stCondLst>
-                                            <p:cond delay="0"/>
-                                          </p:stCondLst>
-                                        </p:cTn>
-                                        <p:tgtEl>
-                                          <p:spTgt spid="711"/>
-                                        </p:tgtEl>
-                                        <p:attrNameLst>
-                                          <p:attrName>style.visibility</p:attrName>
-                                        </p:attrNameLst>
-                                      </p:cBhvr>
-                                      <p:to>
-                                        <p:strVal val="visible"/>
-                                      </p:to>
-                                    </p:set>
-                                    <p:anim calcmode="lin" valueType="num">
-                                      <p:cBhvr additive="base">
-                                        <p:cTn id="10" dur="1000"/>
-                                        <p:tgtEl>
-                                          <p:spTgt spid="711"/>
-                                        </p:tgtEl>
-                                        <p:attrNameLst>
-                                          <p:attrName>ppt_y</p:attrName>
-                                        </p:attrNameLst>
-                                      </p:cBhvr>
-                                      <p:tavLst>
-                                        <p:tav tm="0">
-                                          <p:val>
-                                            <p:strVal val="#ppt_y-1"/>
-                                          </p:val>
-                                        </p:tav>
-                                        <p:tav tm="100000">
-                                          <p:val>
-                                            <p:strVal val="#ppt_y"/>
-                                          </p:val>
-                                        </p:tav>
-                                      </p:tavLst>
-                                    </p:anim>
-                                  </p:childTnLst>
-                                </p:cTn>
-                              </p:par>
-                            </p:childTnLst>
-                          </p:cTn>
-                        </p:par>
-                        <p:par>
-                          <p:cTn id="11" fill="hold">
-                            <p:stCondLst>
-                              <p:cond delay="1000"/>
-                            </p:stCondLst>
-                            <p:childTnLst>
-                              <p:par>
-                                <p:cTn id="12" presetID="2" presetClass="entr" presetSubtype="8" fill="hold" nodeType="afterEffect">
-                                  <p:stCondLst>
-                                    <p:cond delay="0"/>
-                                  </p:stCondLst>
-                                  <p:childTnLst>
-                                    <p:set>
-                                      <p:cBhvr>
-                                        <p:cTn id="13" dur="1" fill="hold">
-                                          <p:stCondLst>
-                                            <p:cond delay="0"/>
-                                          </p:stCondLst>
-                                        </p:cTn>
-                                        <p:tgtEl>
-                                          <p:spTgt spid="710"/>
-                                        </p:tgtEl>
-                                        <p:attrNameLst>
-                                          <p:attrName>style.visibility</p:attrName>
-                                        </p:attrNameLst>
-                                      </p:cBhvr>
-                                      <p:to>
-                                        <p:strVal val="visible"/>
-                                      </p:to>
-                                    </p:set>
-                                    <p:anim calcmode="lin" valueType="num">
-                                      <p:cBhvr additive="base">
-                                        <p:cTn id="14" dur="1000"/>
-                                        <p:tgtEl>
-                                          <p:spTgt spid="710"/>
-                                        </p:tgtEl>
-                                        <p:attrNameLst>
-                                          <p:attrName>ppt_x</p:attrName>
-                                        </p:attrNameLst>
-                                      </p:cBhvr>
-                                      <p:tavLst>
-                                        <p:tav tm="0">
-                                          <p:val>
-                                            <p:strVal val="#ppt_x-1"/>
-                                          </p:val>
-                                        </p:tav>
-                                        <p:tav tm="100000">
-                                          <p:val>
-                                            <p:strVal val="#ppt_x"/>
-                                          </p:val>
-                                        </p:tav>
-                                      </p:tavLst>
-                                    </p:anim>
-                                  </p:childTnLst>
-                                </p:cTn>
-                              </p:par>
-                              <p:par>
-                                <p:cTn id="15" presetID="2" presetClass="entr" presetSubtype="8" fill="hold" nodeType="withEffect">
-                                  <p:stCondLst>
-                                    <p:cond delay="0"/>
-                                  </p:stCondLst>
-                                  <p:childTnLst>
-                                    <p:set>
-                                      <p:cBhvr>
-                                        <p:cTn id="16" dur="1" fill="hold">
-                                          <p:stCondLst>
-                                            <p:cond delay="0"/>
-                                          </p:stCondLst>
-                                        </p:cTn>
-                                        <p:tgtEl>
-                                          <p:spTgt spid="712"/>
-                                        </p:tgtEl>
-                                        <p:attrNameLst>
-                                          <p:attrName>style.visibility</p:attrName>
-                                        </p:attrNameLst>
-                                      </p:cBhvr>
-                                      <p:to>
-                                        <p:strVal val="visible"/>
-                                      </p:to>
-                                    </p:set>
-                                    <p:anim calcmode="lin" valueType="num">
-                                      <p:cBhvr additive="base">
-                                        <p:cTn id="17" dur="1000"/>
-                                        <p:tgtEl>
-                                          <p:spTgt spid="712"/>
-                                        </p:tgtEl>
-                                        <p:attrNameLst>
-                                          <p:attrName>ppt_x</p:attrName>
-                                        </p:attrNameLst>
-                                      </p:cBhvr>
-                                      <p:tavLst>
-                                        <p:tav tm="0">
-                                          <p:val>
-                                            <p:strVal val="#ppt_x-1"/>
-                                          </p:val>
-                                        </p:tav>
-                                        <p:tav tm="100000">
-                                          <p:val>
-                                            <p:strVal val="#ppt_x"/>
-                                          </p:val>
-                                        </p:tav>
-                                      </p:tavLst>
-                                    </p:anim>
-                                  </p:childTnLst>
-                                </p:cTn>
-                              </p:par>
-                            </p:childTnLst>
-                          </p:cTn>
-                        </p:par>
-                        <p:par>
-                          <p:cTn id="18" fill="hold">
-                            <p:stCondLst>
-                              <p:cond delay="2000"/>
-                            </p:stCondLst>
-                            <p:childTnLst>
-                              <p:par>
-                                <p:cTn id="19" presetID="2" presetClass="entr" presetSubtype="2" fill="hold" nodeType="afterEffect">
-                                  <p:stCondLst>
-                                    <p:cond delay="0"/>
-                                  </p:stCondLst>
-                                  <p:childTnLst>
-                                    <p:set>
-                                      <p:cBhvr>
-                                        <p:cTn id="20" dur="1" fill="hold">
-                                          <p:stCondLst>
-                                            <p:cond delay="0"/>
-                                          </p:stCondLst>
-                                        </p:cTn>
-                                        <p:tgtEl>
-                                          <p:spTgt spid="713"/>
-                                        </p:tgtEl>
-                                        <p:attrNameLst>
-                                          <p:attrName>style.visibility</p:attrName>
-                                        </p:attrNameLst>
-                                      </p:cBhvr>
-                                      <p:to>
-                                        <p:strVal val="visible"/>
-                                      </p:to>
-                                    </p:set>
-                                    <p:anim calcmode="lin" valueType="num">
-                                      <p:cBhvr additive="base">
-                                        <p:cTn id="21" dur="1000"/>
-                                        <p:tgtEl>
-                                          <p:spTgt spid="713"/>
-                                        </p:tgtEl>
-                                        <p:attrNameLst>
-                                          <p:attrName>ppt_x</p:attrName>
-                                        </p:attrNameLst>
-                                      </p:cBhvr>
-                                      <p:tavLst>
-                                        <p:tav tm="0">
-                                          <p:val>
-                                            <p:strVal val="#ppt_x+1"/>
-                                          </p:val>
-                                        </p:tav>
-                                        <p:tav tm="100000">
-                                          <p:val>
-                                            <p:strVal val="#ppt_x"/>
-                                          </p:val>
-                                        </p:tav>
-                                      </p:tavLst>
-                                    </p:anim>
-                                  </p:childTnLst>
-                                </p:cTn>
-                              </p:par>
-                              <p:par>
-                                <p:cTn id="22" presetID="2" presetClass="entr" presetSubtype="2" fill="hold" nodeType="withEffect">
-                                  <p:stCondLst>
-                                    <p:cond delay="0"/>
-                                  </p:stCondLst>
-                                  <p:childTnLst>
-                                    <p:set>
-                                      <p:cBhvr>
-                                        <p:cTn id="23" dur="1" fill="hold">
-                                          <p:stCondLst>
-                                            <p:cond delay="0"/>
-                                          </p:stCondLst>
-                                        </p:cTn>
-                                        <p:tgtEl>
-                                          <p:spTgt spid="719"/>
-                                        </p:tgtEl>
-                                        <p:attrNameLst>
-                                          <p:attrName>style.visibility</p:attrName>
-                                        </p:attrNameLst>
-                                      </p:cBhvr>
-                                      <p:to>
-                                        <p:strVal val="visible"/>
-                                      </p:to>
-                                    </p:set>
-                                    <p:anim calcmode="lin" valueType="num">
-                                      <p:cBhvr additive="base">
-                                        <p:cTn id="24" dur="1000"/>
-                                        <p:tgtEl>
-                                          <p:spTgt spid="719"/>
-                                        </p:tgtEl>
-                                        <p:attrNameLst>
-                                          <p:attrName>ppt_x</p:attrName>
-                                        </p:attrNameLst>
-                                      </p:cBhvr>
-                                      <p:tavLst>
-                                        <p:tav tm="0">
-                                          <p:val>
-                                            <p:strVal val="#ppt_x+1"/>
-                                          </p:val>
-                                        </p:tav>
-                                        <p:tav tm="100000">
-                                          <p:val>
-                                            <p:strVal val="#ppt_x"/>
-                                          </p:val>
-                                        </p:tav>
-                                      </p:tavLst>
-                                    </p:anim>
-                                  </p:childTnLst>
-                                </p:cTn>
-                              </p:par>
-                            </p:childTnLst>
-                          </p:cTn>
-                        </p:par>
-                      </p:childTnLst>
-                    </p:cTn>
-                  </p:par>
-                </p:childTnLst>
-              </p:cTn>
-              <p:prevCondLst>
-                <p:cond evt="onPrev" delay="0">
-                  <p:tgtEl>
-                    <p:sldTgt/>
-                  </p:tgtEl>
-                </p:cond>
-              </p:prevCondLst>
-              <p:nextCondLst>
-                <p:cond evt="onNext" delay="0">
-                  <p:tgtEl>
-                    <p:sldTgt/>
-                  </p:tgtEl>
-                </p:cond>
-              </p:nextCondLst>
-            </p:seq>
-          </p:childTnLst>
-        </p:cTn>
-      </p:par>
-    </p:tnLst>
-  </p:timing>
-</p:sld>
-</file>
-
-<file path=ppt/slides/slide5.xml><?xml version="1.0" encoding="utf-8"?>
-<p:sld xmlns:a="http://schemas.openxmlformats.org/drawingml/2006/main" xmlns:r="http://schemas.openxmlformats.org/officeDocument/2006/relationships" xmlns:p="http://schemas.openxmlformats.org/presentationml/2006/main">
-  <p:cSld>
-    <p:spTree>
-      <p:nvGrpSpPr>
-        <p:cNvPr id="1" name="Shape 1215"/>
-        <p:cNvGrpSpPr/>
-        <p:nvPr/>
-      </p:nvGrpSpPr>
-      <p:grpSpPr>
-        <a:xfrm>
-          <a:off x="0" y="0"/>
-          <a:ext cx="0" cy="0"/>
-          <a:chOff x="0" y="0"/>
-          <a:chExt cx="0" cy="0"/>
-        </a:xfrm>
-      </p:grpSpPr>
-      <p:sp>
-        <p:nvSpPr>
-          <p:cNvPr id="1216" name="Google Shape;1216;p94"/>
-          <p:cNvSpPr txBox="1">
-            <a:spLocks noGrp="1"/>
-          </p:cNvSpPr>
-          <p:nvPr>
-            <p:ph type="title"/>
-          </p:nvPr>
-        </p:nvSpPr>
-        <p:spPr>
-          <a:xfrm>
-            <a:off x="713225" y="539500"/>
-            <a:ext cx="7717500" cy="572700"/>
-          </a:xfrm>
-          <a:prstGeom prst="rect">
-            <a:avLst/>
-          </a:prstGeom>
-        </p:spPr>
-        <p:txBody>
-          <a:bodyPr spcFirstLastPara="1" wrap="square" lIns="91425" tIns="91425" rIns="91425" bIns="91425" anchor="t" anchorCtr="0">
-            <a:noAutofit/>
-          </a:bodyPr>
-          <a:lstStyle/>
-          <a:p>
-            <a:pPr marL="0" lvl="0" indent="0" algn="ctr" rtl="0">
-              <a:spcBef>
-                <a:spcPts val="0"/>
-              </a:spcBef>
-              <a:spcAft>
-                <a:spcPts val="0"/>
-              </a:spcAft>
-              <a:buNone/>
-            </a:pPr>
-            <a:r>
-              <a:rPr lang="en"/>
-              <a:t>Tendency</a:t>
-            </a:r>
-            <a:endParaRPr/>
-          </a:p>
-        </p:txBody>
-      </p:sp>
-      <p:sp>
-        <p:nvSpPr>
-          <p:cNvPr id="1217" name="Google Shape;1217;p94"/>
-          <p:cNvSpPr txBox="1"/>
-          <p:nvPr/>
-        </p:nvSpPr>
-        <p:spPr>
-          <a:xfrm>
-            <a:off x="2547325" y="2013950"/>
-            <a:ext cx="1686000" cy="514200"/>
-          </a:xfrm>
-          <a:prstGeom prst="rect">
-            <a:avLst/>
-          </a:prstGeom>
-          <a:noFill/>
-          <a:ln>
-            <a:noFill/>
-          </a:ln>
-        </p:spPr>
-        <p:txBody>
-          <a:bodyPr spcFirstLastPara="1" wrap="square" lIns="91425" tIns="91425" rIns="91425" bIns="91425" anchor="b" anchorCtr="0">
-            <a:noAutofit/>
-          </a:bodyPr>
-          <a:lstStyle/>
-          <a:p>
-            <a:pPr marL="0" lvl="0" indent="0" algn="ctr" rtl="0">
-              <a:spcBef>
-                <a:spcPts val="0"/>
-              </a:spcBef>
-              <a:spcAft>
-                <a:spcPts val="0"/>
-              </a:spcAft>
-              <a:buNone/>
-            </a:pPr>
-            <a:r>
-              <a:rPr lang="en" sz="2400">
-                <a:solidFill>
-                  <a:schemeClr val="lt1"/>
-                </a:solidFill>
-                <a:latin typeface="Abril Fatface"/>
-                <a:ea typeface="Abril Fatface"/>
-                <a:cs typeface="Abril Fatface"/>
-                <a:sym typeface="Abril Fatface"/>
-              </a:rPr>
-              <a:t>Phase 2</a:t>
-            </a:r>
-            <a:endParaRPr sz="2400">
-              <a:solidFill>
-                <a:schemeClr val="lt1"/>
-              </a:solidFill>
-              <a:latin typeface="Abril Fatface"/>
-              <a:ea typeface="Abril Fatface"/>
-              <a:cs typeface="Abril Fatface"/>
-              <a:sym typeface="Abril Fatface"/>
-            </a:endParaRPr>
-          </a:p>
-        </p:txBody>
-      </p:sp>
-      <p:sp>
-        <p:nvSpPr>
-          <p:cNvPr id="1218" name="Google Shape;1218;p94"/>
-          <p:cNvSpPr txBox="1"/>
-          <p:nvPr/>
-        </p:nvSpPr>
-        <p:spPr>
-          <a:xfrm>
-            <a:off x="2547330" y="2435025"/>
-            <a:ext cx="1686000" cy="942000"/>
-          </a:xfrm>
-          <a:prstGeom prst="rect">
-            <a:avLst/>
-          </a:prstGeom>
-          <a:noFill/>
-          <a:ln>
-            <a:noFill/>
-          </a:ln>
-        </p:spPr>
-        <p:txBody>
-          <a:bodyPr spcFirstLastPara="1" wrap="square" lIns="91425" tIns="91425" rIns="91425" bIns="91425" anchor="t" anchorCtr="0">
-            <a:noAutofit/>
-          </a:bodyPr>
-          <a:lstStyle/>
-          <a:p>
-            <a:pPr marL="0" lvl="0" indent="0" algn="ctr" rtl="0">
-              <a:spcBef>
-                <a:spcPts val="0"/>
-              </a:spcBef>
-              <a:spcAft>
-                <a:spcPts val="0"/>
-              </a:spcAft>
-              <a:buNone/>
-            </a:pPr>
-            <a:r>
-              <a:rPr lang="en" sz="1600">
-                <a:solidFill>
-                  <a:schemeClr val="lt1"/>
-                </a:solidFill>
-                <a:latin typeface="Fira Sans"/>
-                <a:ea typeface="Fira Sans"/>
-                <a:cs typeface="Fira Sans"/>
-                <a:sym typeface="Fira Sans"/>
-              </a:rPr>
-              <a:t>Saturn is a gas giant and has several rings</a:t>
-            </a:r>
-            <a:endParaRPr sz="1600">
-              <a:solidFill>
-                <a:schemeClr val="lt1"/>
-              </a:solidFill>
-              <a:latin typeface="Fira Sans"/>
-              <a:ea typeface="Fira Sans"/>
-              <a:cs typeface="Fira Sans"/>
-              <a:sym typeface="Fira Sans"/>
-            </a:endParaRPr>
-          </a:p>
-        </p:txBody>
-      </p:sp>
-      <p:sp>
-        <p:nvSpPr>
-          <p:cNvPr id="1219" name="Google Shape;1219;p94"/>
-          <p:cNvSpPr txBox="1"/>
-          <p:nvPr/>
-        </p:nvSpPr>
-        <p:spPr>
-          <a:xfrm>
-            <a:off x="713228" y="2013950"/>
-            <a:ext cx="1686000" cy="514200"/>
-          </a:xfrm>
-          <a:prstGeom prst="rect">
-            <a:avLst/>
-          </a:prstGeom>
-          <a:noFill/>
-          <a:ln>
-            <a:noFill/>
-          </a:ln>
-        </p:spPr>
-        <p:txBody>
-          <a:bodyPr spcFirstLastPara="1" wrap="square" lIns="91425" tIns="91425" rIns="91425" bIns="91425" anchor="b" anchorCtr="0">
-            <a:noAutofit/>
-          </a:bodyPr>
-          <a:lstStyle/>
-          <a:p>
-            <a:pPr marL="0" lvl="0" indent="0" algn="ctr" rtl="0">
-              <a:spcBef>
-                <a:spcPts val="0"/>
-              </a:spcBef>
-              <a:spcAft>
-                <a:spcPts val="0"/>
-              </a:spcAft>
-              <a:buClr>
-                <a:schemeClr val="dk1"/>
-              </a:buClr>
-              <a:buSzPts val="1100"/>
-              <a:buFont typeface="Arial"/>
-              <a:buNone/>
-            </a:pPr>
-            <a:r>
-              <a:rPr lang="en" sz="2400">
-                <a:solidFill>
-                  <a:schemeClr val="lt1"/>
-                </a:solidFill>
-                <a:latin typeface="Abril Fatface"/>
-                <a:ea typeface="Abril Fatface"/>
-                <a:cs typeface="Abril Fatface"/>
-                <a:sym typeface="Abril Fatface"/>
-              </a:rPr>
-              <a:t>Phase 1</a:t>
-            </a:r>
-            <a:endParaRPr sz="2400">
-              <a:solidFill>
-                <a:schemeClr val="lt1"/>
-              </a:solidFill>
-              <a:latin typeface="Abril Fatface"/>
-              <a:ea typeface="Abril Fatface"/>
-              <a:cs typeface="Abril Fatface"/>
-              <a:sym typeface="Abril Fatface"/>
-            </a:endParaRPr>
-          </a:p>
-        </p:txBody>
-      </p:sp>
-      <p:sp>
-        <p:nvSpPr>
-          <p:cNvPr id="1220" name="Google Shape;1220;p94"/>
-          <p:cNvSpPr txBox="1"/>
-          <p:nvPr/>
-        </p:nvSpPr>
-        <p:spPr>
-          <a:xfrm>
-            <a:off x="713225" y="2435025"/>
-            <a:ext cx="1686000" cy="942000"/>
-          </a:xfrm>
-          <a:prstGeom prst="rect">
-            <a:avLst/>
-          </a:prstGeom>
-          <a:noFill/>
-          <a:ln>
-            <a:noFill/>
-          </a:ln>
-        </p:spPr>
-        <p:txBody>
-          <a:bodyPr spcFirstLastPara="1" wrap="square" lIns="91425" tIns="91425" rIns="91425" bIns="91425" anchor="t" anchorCtr="0">
-            <a:noAutofit/>
-          </a:bodyPr>
-          <a:lstStyle/>
-          <a:p>
-            <a:pPr marL="0" lvl="0" indent="0" algn="ctr" rtl="0">
-              <a:spcBef>
-                <a:spcPts val="0"/>
-              </a:spcBef>
-              <a:spcAft>
-                <a:spcPts val="0"/>
-              </a:spcAft>
-              <a:buNone/>
-            </a:pPr>
-            <a:r>
-              <a:rPr lang="en" sz="1600">
-                <a:solidFill>
-                  <a:schemeClr val="lt1"/>
-                </a:solidFill>
-                <a:latin typeface="Fira Sans"/>
-                <a:ea typeface="Fira Sans"/>
-                <a:cs typeface="Fira Sans"/>
-                <a:sym typeface="Fira Sans"/>
-              </a:rPr>
-              <a:t>Neptune is the farthest planet from the Sun</a:t>
-            </a:r>
-            <a:endParaRPr sz="1600">
-              <a:solidFill>
-                <a:schemeClr val="lt1"/>
-              </a:solidFill>
-              <a:latin typeface="Fira Sans"/>
-              <a:ea typeface="Fira Sans"/>
-              <a:cs typeface="Fira Sans"/>
-              <a:sym typeface="Fira Sans"/>
-            </a:endParaRPr>
-          </a:p>
-        </p:txBody>
-      </p:sp>
-      <p:sp>
-        <p:nvSpPr>
-          <p:cNvPr id="1221" name="Google Shape;1221;p94"/>
-          <p:cNvSpPr/>
-          <p:nvPr/>
-        </p:nvSpPr>
-        <p:spPr>
-          <a:xfrm>
-            <a:off x="3207300" y="1571755"/>
-            <a:ext cx="366000" cy="366000"/>
-          </a:xfrm>
-          <a:prstGeom prst="ellipse">
-            <a:avLst/>
-          </a:prstGeom>
-          <a:solidFill>
-            <a:schemeClr val="dk2"/>
-          </a:solidFill>
-          <a:ln>
-            <a:noFill/>
-          </a:ln>
-        </p:spPr>
-        <p:txBody>
-          <a:bodyPr spcFirstLastPara="1" wrap="square" lIns="91425" tIns="91425" rIns="91425" bIns="91425" anchor="ctr" anchorCtr="0">
-            <a:noAutofit/>
-          </a:bodyPr>
-          <a:lstStyle/>
-          <a:p>
-            <a:pPr marL="0" lvl="0" indent="0" algn="l" rtl="0">
-              <a:spcBef>
-                <a:spcPts val="0"/>
-              </a:spcBef>
-              <a:spcAft>
-                <a:spcPts val="0"/>
-              </a:spcAft>
-              <a:buNone/>
-            </a:pPr>
-            <a:endParaRPr/>
-          </a:p>
-        </p:txBody>
-      </p:sp>
-      <p:sp>
-        <p:nvSpPr>
-          <p:cNvPr id="1222" name="Google Shape;1222;p94"/>
-          <p:cNvSpPr/>
-          <p:nvPr/>
-        </p:nvSpPr>
-        <p:spPr>
-          <a:xfrm>
-            <a:off x="1373225" y="1571755"/>
-            <a:ext cx="366000" cy="366000"/>
-          </a:xfrm>
-          <a:prstGeom prst="ellipse">
-            <a:avLst/>
-          </a:prstGeom>
-          <a:solidFill>
-            <a:schemeClr val="lt1"/>
-          </a:solidFill>
-          <a:ln>
-            <a:noFill/>
-          </a:ln>
-        </p:spPr>
-        <p:txBody>
-          <a:bodyPr spcFirstLastPara="1" wrap="square" lIns="91425" tIns="91425" rIns="91425" bIns="91425" anchor="ctr" anchorCtr="0">
-            <a:noAutofit/>
-          </a:bodyPr>
-          <a:lstStyle/>
-          <a:p>
-            <a:pPr marL="0" lvl="0" indent="0" algn="l" rtl="0">
-              <a:spcBef>
-                <a:spcPts val="0"/>
-              </a:spcBef>
-              <a:spcAft>
-                <a:spcPts val="0"/>
-              </a:spcAft>
-              <a:buNone/>
-            </a:pPr>
-            <a:endParaRPr/>
-          </a:p>
-        </p:txBody>
-      </p:sp>
-      <p:sp>
-        <p:nvSpPr>
-          <p:cNvPr id="1223" name="Google Shape;1223;p94"/>
-          <p:cNvSpPr/>
-          <p:nvPr/>
-        </p:nvSpPr>
-        <p:spPr>
-          <a:xfrm>
-            <a:off x="1222625" y="3796835"/>
-            <a:ext cx="667200" cy="667200"/>
-          </a:xfrm>
-          <a:prstGeom prst="ellipse">
-            <a:avLst/>
-          </a:prstGeom>
-          <a:noFill/>
-          <a:ln w="9525" cap="flat" cmpd="sng">
-            <a:solidFill>
-              <a:schemeClr val="lt1"/>
-            </a:solidFill>
-            <a:prstDash val="solid"/>
-            <a:round/>
-            <a:headEnd type="none" w="sm" len="sm"/>
-            <a:tailEnd type="none" w="sm" len="sm"/>
-          </a:ln>
-        </p:spPr>
-        <p:txBody>
-          <a:bodyPr spcFirstLastPara="1" wrap="square" lIns="91425" tIns="91425" rIns="91425" bIns="91425" anchor="ctr" anchorCtr="0">
-            <a:noAutofit/>
-          </a:bodyPr>
-          <a:lstStyle/>
-          <a:p>
-            <a:pPr marL="0" lvl="0" indent="0" algn="l" rtl="0">
-              <a:spcBef>
-                <a:spcPts val="0"/>
-              </a:spcBef>
-              <a:spcAft>
-                <a:spcPts val="0"/>
-              </a:spcAft>
-              <a:buNone/>
-            </a:pPr>
-            <a:endParaRPr/>
-          </a:p>
-        </p:txBody>
-      </p:sp>
-      <p:cxnSp>
-        <p:nvCxnSpPr>
-          <p:cNvPr id="1224" name="Google Shape;1224;p94"/>
-          <p:cNvCxnSpPr>
-            <a:stCxn id="1220" idx="2"/>
-            <a:endCxn id="1223" idx="0"/>
-          </p:cNvCxnSpPr>
-          <p:nvPr/>
-        </p:nvCxnSpPr>
-        <p:spPr>
-          <a:xfrm>
-            <a:off x="1556225" y="3377025"/>
-            <a:ext cx="0" cy="419700"/>
-          </a:xfrm>
-          <a:prstGeom prst="straightConnector1">
-            <a:avLst/>
-          </a:prstGeom>
-          <a:noFill/>
-          <a:ln w="9525" cap="flat" cmpd="sng">
-            <a:solidFill>
-              <a:schemeClr val="lt1"/>
-            </a:solidFill>
-            <a:prstDash val="solid"/>
-            <a:round/>
-            <a:headEnd type="none" w="med" len="med"/>
-            <a:tailEnd type="none" w="med" len="med"/>
-          </a:ln>
-        </p:spPr>
-      </p:cxnSp>
-      <p:sp>
-        <p:nvSpPr>
-          <p:cNvPr id="1225" name="Google Shape;1225;p94"/>
-          <p:cNvSpPr/>
-          <p:nvPr/>
-        </p:nvSpPr>
-        <p:spPr>
-          <a:xfrm>
-            <a:off x="3056712" y="3796835"/>
-            <a:ext cx="667200" cy="667200"/>
-          </a:xfrm>
-          <a:prstGeom prst="ellipse">
-            <a:avLst/>
-          </a:prstGeom>
-          <a:noFill/>
-          <a:ln w="9525" cap="flat" cmpd="sng">
-            <a:solidFill>
-              <a:schemeClr val="lt1"/>
-            </a:solidFill>
-            <a:prstDash val="solid"/>
-            <a:round/>
-            <a:headEnd type="none" w="sm" len="sm"/>
-            <a:tailEnd type="none" w="sm" len="sm"/>
-          </a:ln>
-        </p:spPr>
-        <p:txBody>
-          <a:bodyPr spcFirstLastPara="1" wrap="square" lIns="91425" tIns="91425" rIns="91425" bIns="91425" anchor="ctr" anchorCtr="0">
-            <a:noAutofit/>
-          </a:bodyPr>
-          <a:lstStyle/>
-          <a:p>
-            <a:pPr marL="0" lvl="0" indent="0" algn="l" rtl="0">
-              <a:spcBef>
-                <a:spcPts val="0"/>
-              </a:spcBef>
-              <a:spcAft>
-                <a:spcPts val="0"/>
-              </a:spcAft>
-              <a:buNone/>
-            </a:pPr>
-            <a:endParaRPr/>
-          </a:p>
-        </p:txBody>
-      </p:sp>
-      <p:cxnSp>
-        <p:nvCxnSpPr>
-          <p:cNvPr id="1226" name="Google Shape;1226;p94"/>
-          <p:cNvCxnSpPr>
-            <a:stCxn id="1218" idx="2"/>
-            <a:endCxn id="1225" idx="0"/>
-          </p:cNvCxnSpPr>
-          <p:nvPr/>
-        </p:nvCxnSpPr>
-        <p:spPr>
-          <a:xfrm>
-            <a:off x="3390330" y="3377025"/>
-            <a:ext cx="0" cy="419700"/>
-          </a:xfrm>
-          <a:prstGeom prst="straightConnector1">
-            <a:avLst/>
-          </a:prstGeom>
-          <a:noFill/>
-          <a:ln w="9525" cap="flat" cmpd="sng">
-            <a:solidFill>
-              <a:schemeClr val="lt1"/>
-            </a:solidFill>
-            <a:prstDash val="solid"/>
-            <a:round/>
-            <a:headEnd type="none" w="med" len="med"/>
-            <a:tailEnd type="none" w="med" len="med"/>
-          </a:ln>
-        </p:spPr>
-      </p:cxnSp>
-      <p:pic>
-        <p:nvPicPr>
-          <p:cNvPr id="1227" name="Google Shape;1227;p94" title="Chart">
-            <a:hlinkClick r:id="rId3"/>
-          </p:cNvPr>
-          <p:cNvPicPr preferRelativeResize="0"/>
-          <p:nvPr/>
-        </p:nvPicPr>
-        <p:blipFill>
-          <a:blip r:embed="rId4">
-            <a:alphaModFix/>
-          </a:blip>
-          <a:stretch>
-            <a:fillRect/>
-          </a:stretch>
-        </p:blipFill>
-        <p:spPr>
-          <a:xfrm>
-            <a:off x="4432975" y="1397825"/>
-            <a:ext cx="3997801" cy="2587467"/>
-          </a:xfrm>
-          <a:prstGeom prst="rect">
-            <a:avLst/>
-          </a:prstGeom>
-          <a:noFill/>
-          <a:ln>
-            <a:noFill/>
-          </a:ln>
-        </p:spPr>
-      </p:pic>
-      <p:sp>
-        <p:nvSpPr>
-          <p:cNvPr id="1228" name="Google Shape;1228;p94"/>
-          <p:cNvSpPr txBox="1">
-            <a:spLocks noGrp="1"/>
-          </p:cNvSpPr>
-          <p:nvPr>
-            <p:ph type="subTitle" idx="4294967295"/>
-          </p:nvPr>
-        </p:nvSpPr>
-        <p:spPr>
-          <a:xfrm>
-            <a:off x="4433025" y="3972725"/>
-            <a:ext cx="3997800" cy="572700"/>
-          </a:xfrm>
-          <a:prstGeom prst="rect">
-            <a:avLst/>
-          </a:prstGeom>
-        </p:spPr>
-        <p:txBody>
-          <a:bodyPr spcFirstLastPara="1" wrap="square" lIns="91425" tIns="91425" rIns="91425" bIns="91425" anchor="ctr" anchorCtr="0">
-            <a:noAutofit/>
-          </a:bodyPr>
-          <a:lstStyle/>
-          <a:p>
-            <a:pPr marL="0" lvl="0" indent="0" algn="ctr" rtl="0">
-              <a:lnSpc>
-                <a:spcPct val="100000"/>
-              </a:lnSpc>
-              <a:spcBef>
-                <a:spcPts val="0"/>
-              </a:spcBef>
-              <a:spcAft>
-                <a:spcPts val="0"/>
-              </a:spcAft>
-              <a:buNone/>
-            </a:pPr>
-            <a:r>
-              <a:rPr lang="en" sz="1200"/>
-              <a:t>Follow the link in the graph to modify its data and then paste the new one here. </a:t>
-            </a:r>
-            <a:r>
-              <a:rPr lang="en" sz="1200" b="1">
-                <a:uFill>
-                  <a:noFill/>
-                </a:uFill>
-                <a:hlinkClick r:id="rId5"/>
-              </a:rPr>
-              <a:t>For more info, click here</a:t>
-            </a:r>
-            <a:endParaRPr sz="1200" b="1"/>
-          </a:p>
-        </p:txBody>
-      </p:sp>
-      <p:cxnSp>
-        <p:nvCxnSpPr>
-          <p:cNvPr id="1229" name="Google Shape;1229;p94"/>
-          <p:cNvCxnSpPr/>
-          <p:nvPr/>
-        </p:nvCxnSpPr>
-        <p:spPr>
-          <a:xfrm>
-            <a:off x="4948950" y="3781775"/>
-            <a:ext cx="3353400" cy="0"/>
-          </a:xfrm>
-          <a:prstGeom prst="straightConnector1">
-            <a:avLst/>
-          </a:prstGeom>
-          <a:noFill/>
-          <a:ln w="9525" cap="flat" cmpd="sng">
-            <a:solidFill>
-              <a:schemeClr val="lt1"/>
-            </a:solidFill>
-            <a:prstDash val="solid"/>
-            <a:round/>
-            <a:headEnd type="none" w="med" len="med"/>
-            <a:tailEnd type="none" w="med" len="med"/>
-          </a:ln>
-        </p:spPr>
-      </p:cxnSp>
-      <p:grpSp>
-        <p:nvGrpSpPr>
-          <p:cNvPr id="1230" name="Google Shape;1230;p94"/>
-          <p:cNvGrpSpPr/>
-          <p:nvPr/>
-        </p:nvGrpSpPr>
-        <p:grpSpPr>
-          <a:xfrm>
-            <a:off x="1441662" y="3985290"/>
-            <a:ext cx="229123" cy="303880"/>
-            <a:chOff x="1783713" y="3991475"/>
-            <a:chExt cx="325875" cy="432200"/>
-          </a:xfrm>
-        </p:grpSpPr>
-        <p:sp>
-          <p:nvSpPr>
-            <p:cNvPr id="1231" name="Google Shape;1231;p94"/>
-            <p:cNvSpPr/>
-            <p:nvPr/>
-          </p:nvSpPr>
-          <p:spPr>
-            <a:xfrm>
-              <a:off x="1783713" y="3991475"/>
-              <a:ext cx="150125" cy="255100"/>
-            </a:xfrm>
-            <a:custGeom>
-              <a:avLst/>
-              <a:gdLst/>
-              <a:ahLst/>
-              <a:cxnLst/>
-              <a:rect l="l" t="t" r="r" b="b"/>
-              <a:pathLst>
-                <a:path w="6005" h="10204" extrusionOk="0">
-                  <a:moveTo>
-                    <a:pt x="3003" y="0"/>
-                  </a:moveTo>
-                  <a:cubicBezTo>
-                    <a:pt x="2146" y="0"/>
-                    <a:pt x="1455" y="701"/>
-                    <a:pt x="1455" y="1550"/>
-                  </a:cubicBezTo>
-                  <a:lnTo>
-                    <a:pt x="1455" y="3272"/>
-                  </a:lnTo>
-                  <a:cubicBezTo>
-                    <a:pt x="473" y="4985"/>
-                    <a:pt x="509" y="6564"/>
-                    <a:pt x="1383" y="8170"/>
-                  </a:cubicBezTo>
-                  <a:cubicBezTo>
-                    <a:pt x="571" y="8384"/>
-                    <a:pt x="1" y="9124"/>
-                    <a:pt x="1" y="9981"/>
-                  </a:cubicBezTo>
-                  <a:lnTo>
-                    <a:pt x="1" y="10204"/>
-                  </a:lnTo>
-                  <a:lnTo>
-                    <a:pt x="6004" y="10204"/>
-                  </a:lnTo>
-                  <a:lnTo>
-                    <a:pt x="6004" y="9981"/>
-                  </a:lnTo>
-                  <a:cubicBezTo>
-                    <a:pt x="6004" y="9133"/>
-                    <a:pt x="5442" y="8393"/>
-                    <a:pt x="4631" y="8170"/>
-                  </a:cubicBezTo>
-                  <a:cubicBezTo>
-                    <a:pt x="5540" y="6511"/>
-                    <a:pt x="5514" y="4923"/>
-                    <a:pt x="4559" y="3272"/>
-                  </a:cubicBezTo>
-                  <a:lnTo>
-                    <a:pt x="4559" y="1559"/>
-                  </a:lnTo>
-                  <a:cubicBezTo>
-                    <a:pt x="4559" y="872"/>
-                    <a:pt x="4006" y="168"/>
-                    <a:pt x="3328" y="34"/>
-                  </a:cubicBezTo>
-                  <a:cubicBezTo>
-                    <a:pt x="3218" y="11"/>
-                    <a:pt x="3109" y="0"/>
-                    <a:pt x="3003" y="0"/>
-                  </a:cubicBezTo>
-                  <a:close/>
-                </a:path>
-              </a:pathLst>
-            </a:custGeom>
-            <a:solidFill>
-              <a:schemeClr val="lt1"/>
-            </a:solidFill>
-            <a:ln>
-              <a:noFill/>
-            </a:ln>
-          </p:spPr>
-          <p:txBody>
-            <a:bodyPr spcFirstLastPara="1" wrap="square" lIns="91425" tIns="91425" rIns="91425" bIns="91425" anchor="ctr" anchorCtr="0">
-              <a:noAutofit/>
-            </a:bodyPr>
-            <a:lstStyle/>
-            <a:p>
-              <a:pPr marL="0" lvl="0" indent="0" algn="l" rtl="0">
-                <a:spcBef>
-                  <a:spcPts val="0"/>
-                </a:spcBef>
-                <a:spcAft>
-                  <a:spcPts val="0"/>
-                </a:spcAft>
-                <a:buNone/>
-              </a:pPr>
-              <a:endParaRPr/>
-            </a:p>
-          </p:txBody>
-        </p:sp>
-        <p:sp>
-          <p:nvSpPr>
-            <p:cNvPr id="1232" name="Google Shape;1232;p94"/>
-            <p:cNvSpPr/>
-            <p:nvPr/>
-          </p:nvSpPr>
-          <p:spPr>
-            <a:xfrm>
-              <a:off x="1783713" y="4270875"/>
-              <a:ext cx="150125" cy="76075"/>
-            </a:xfrm>
-            <a:custGeom>
-              <a:avLst/>
-              <a:gdLst/>
-              <a:ahLst/>
-              <a:cxnLst/>
-              <a:rect l="l" t="t" r="r" b="b"/>
-              <a:pathLst>
-                <a:path w="6005" h="3043" extrusionOk="0">
-                  <a:moveTo>
-                    <a:pt x="1" y="0"/>
-                  </a:moveTo>
-                  <a:lnTo>
-                    <a:pt x="1" y="3042"/>
-                  </a:lnTo>
-                  <a:lnTo>
-                    <a:pt x="6004" y="3042"/>
-                  </a:lnTo>
-                  <a:lnTo>
-                    <a:pt x="6004" y="0"/>
-                  </a:lnTo>
-                  <a:close/>
-                </a:path>
-              </a:pathLst>
-            </a:custGeom>
-            <a:solidFill>
-              <a:schemeClr val="lt1"/>
-            </a:solidFill>
-            <a:ln>
-              <a:noFill/>
-            </a:ln>
-          </p:spPr>
-          <p:txBody>
-            <a:bodyPr spcFirstLastPara="1" wrap="square" lIns="91425" tIns="91425" rIns="91425" bIns="91425" anchor="ctr" anchorCtr="0">
-              <a:noAutofit/>
-            </a:bodyPr>
-            <a:lstStyle/>
-            <a:p>
-              <a:pPr marL="0" lvl="0" indent="0" algn="l" rtl="0">
-                <a:spcBef>
-                  <a:spcPts val="0"/>
-                </a:spcBef>
-                <a:spcAft>
-                  <a:spcPts val="0"/>
-                </a:spcAft>
-                <a:buNone/>
-              </a:pPr>
-              <a:endParaRPr/>
-            </a:p>
-          </p:txBody>
-        </p:sp>
-        <p:sp>
-          <p:nvSpPr>
-            <p:cNvPr id="1233" name="Google Shape;1233;p94"/>
-            <p:cNvSpPr/>
-            <p:nvPr/>
-          </p:nvSpPr>
-          <p:spPr>
-            <a:xfrm>
-              <a:off x="1783713" y="4371450"/>
-              <a:ext cx="150125" cy="52225"/>
-            </a:xfrm>
-            <a:custGeom>
-              <a:avLst/>
-              <a:gdLst/>
-              <a:ahLst/>
-              <a:cxnLst/>
-              <a:rect l="l" t="t" r="r" b="b"/>
-              <a:pathLst>
-                <a:path w="6005" h="2089" extrusionOk="0">
-                  <a:moveTo>
-                    <a:pt x="1" y="1"/>
-                  </a:moveTo>
-                  <a:lnTo>
-                    <a:pt x="1" y="1571"/>
-                  </a:lnTo>
-                  <a:cubicBezTo>
-                    <a:pt x="1" y="1856"/>
-                    <a:pt x="232" y="2088"/>
-                    <a:pt x="527" y="2088"/>
-                  </a:cubicBezTo>
-                  <a:lnTo>
-                    <a:pt x="5487" y="2088"/>
-                  </a:lnTo>
-                  <a:cubicBezTo>
-                    <a:pt x="5772" y="2088"/>
-                    <a:pt x="6004" y="1856"/>
-                    <a:pt x="6004" y="1571"/>
-                  </a:cubicBezTo>
-                  <a:lnTo>
-                    <a:pt x="6004" y="1"/>
-                  </a:lnTo>
-                  <a:close/>
-                </a:path>
-              </a:pathLst>
-            </a:custGeom>
-            <a:solidFill>
-              <a:schemeClr val="lt1"/>
-            </a:solidFill>
-            <a:ln>
-              <a:noFill/>
-            </a:ln>
-          </p:spPr>
-          <p:txBody>
-            <a:bodyPr spcFirstLastPara="1" wrap="square" lIns="91425" tIns="91425" rIns="91425" bIns="91425" anchor="ctr" anchorCtr="0">
-              <a:noAutofit/>
-            </a:bodyPr>
-            <a:lstStyle/>
-            <a:p>
-              <a:pPr marL="0" lvl="0" indent="0" algn="l" rtl="0">
-                <a:spcBef>
-                  <a:spcPts val="0"/>
-                </a:spcBef>
-                <a:spcAft>
-                  <a:spcPts val="0"/>
-                </a:spcAft>
-                <a:buNone/>
-              </a:pPr>
-              <a:endParaRPr/>
-            </a:p>
-          </p:txBody>
-        </p:sp>
-        <p:sp>
-          <p:nvSpPr>
-            <p:cNvPr id="1234" name="Google Shape;1234;p94"/>
-            <p:cNvSpPr/>
-            <p:nvPr/>
-          </p:nvSpPr>
-          <p:spPr>
-            <a:xfrm>
-              <a:off x="1960138" y="4271750"/>
-              <a:ext cx="149225" cy="75200"/>
-            </a:xfrm>
-            <a:custGeom>
-              <a:avLst/>
-              <a:gdLst/>
-              <a:ahLst/>
-              <a:cxnLst/>
-              <a:rect l="l" t="t" r="r" b="b"/>
-              <a:pathLst>
-                <a:path w="5969" h="3008" extrusionOk="0">
-                  <a:moveTo>
-                    <a:pt x="0" y="1"/>
-                  </a:moveTo>
-                  <a:lnTo>
-                    <a:pt x="0" y="3007"/>
-                  </a:lnTo>
-                  <a:lnTo>
-                    <a:pt x="5968" y="3007"/>
-                  </a:lnTo>
-                  <a:lnTo>
-                    <a:pt x="5968" y="1"/>
-                  </a:lnTo>
-                  <a:close/>
-                </a:path>
-              </a:pathLst>
-            </a:custGeom>
-            <a:solidFill>
-              <a:schemeClr val="lt1"/>
-            </a:solidFill>
-            <a:ln>
-              <a:noFill/>
-            </a:ln>
-          </p:spPr>
-          <p:txBody>
-            <a:bodyPr spcFirstLastPara="1" wrap="square" lIns="91425" tIns="91425" rIns="91425" bIns="91425" anchor="ctr" anchorCtr="0">
-              <a:noAutofit/>
-            </a:bodyPr>
-            <a:lstStyle/>
-            <a:p>
-              <a:pPr marL="0" lvl="0" indent="0" algn="l" rtl="0">
-                <a:spcBef>
-                  <a:spcPts val="0"/>
-                </a:spcBef>
-                <a:spcAft>
-                  <a:spcPts val="0"/>
-                </a:spcAft>
-                <a:buNone/>
-              </a:pPr>
-              <a:endParaRPr/>
-            </a:p>
-          </p:txBody>
-        </p:sp>
-        <p:sp>
-          <p:nvSpPr>
-            <p:cNvPr id="1235" name="Google Shape;1235;p94"/>
-            <p:cNvSpPr/>
-            <p:nvPr/>
-          </p:nvSpPr>
-          <p:spPr>
-            <a:xfrm>
-              <a:off x="1960138" y="3992025"/>
-              <a:ext cx="149450" cy="254550"/>
-            </a:xfrm>
-            <a:custGeom>
-              <a:avLst/>
-              <a:gdLst/>
-              <a:ahLst/>
-              <a:cxnLst/>
-              <a:rect l="l" t="t" r="r" b="b"/>
-              <a:pathLst>
-                <a:path w="5978" h="10182" extrusionOk="0">
-                  <a:moveTo>
-                    <a:pt x="2996" y="1"/>
-                  </a:moveTo>
-                  <a:cubicBezTo>
-                    <a:pt x="2970" y="1"/>
-                    <a:pt x="2944" y="2"/>
-                    <a:pt x="2917" y="3"/>
-                  </a:cubicBezTo>
-                  <a:cubicBezTo>
-                    <a:pt x="2114" y="48"/>
-                    <a:pt x="1481" y="717"/>
-                    <a:pt x="1481" y="1520"/>
-                  </a:cubicBezTo>
-                  <a:lnTo>
-                    <a:pt x="1481" y="3277"/>
-                  </a:lnTo>
-                  <a:cubicBezTo>
-                    <a:pt x="482" y="4972"/>
-                    <a:pt x="509" y="6560"/>
-                    <a:pt x="1419" y="8175"/>
-                  </a:cubicBezTo>
-                  <a:cubicBezTo>
-                    <a:pt x="607" y="8380"/>
-                    <a:pt x="0" y="9111"/>
-                    <a:pt x="0" y="9977"/>
-                  </a:cubicBezTo>
-                  <a:lnTo>
-                    <a:pt x="0" y="10182"/>
-                  </a:lnTo>
-                  <a:lnTo>
-                    <a:pt x="5968" y="10182"/>
-                  </a:lnTo>
-                  <a:lnTo>
-                    <a:pt x="5968" y="9977"/>
-                  </a:lnTo>
-                  <a:cubicBezTo>
-                    <a:pt x="5977" y="9111"/>
-                    <a:pt x="5379" y="8380"/>
-                    <a:pt x="4585" y="8175"/>
-                  </a:cubicBezTo>
-                  <a:cubicBezTo>
-                    <a:pt x="5495" y="6524"/>
-                    <a:pt x="5478" y="4936"/>
-                    <a:pt x="4523" y="3268"/>
-                  </a:cubicBezTo>
-                  <a:lnTo>
-                    <a:pt x="4523" y="1555"/>
-                  </a:lnTo>
-                  <a:cubicBezTo>
-                    <a:pt x="4523" y="698"/>
-                    <a:pt x="3843" y="1"/>
-                    <a:pt x="2996" y="1"/>
-                  </a:cubicBezTo>
-                  <a:close/>
-                </a:path>
-              </a:pathLst>
-            </a:custGeom>
-            <a:solidFill>
-              <a:schemeClr val="lt1"/>
-            </a:solidFill>
-            <a:ln>
-              <a:noFill/>
-            </a:ln>
-          </p:spPr>
-          <p:txBody>
-            <a:bodyPr spcFirstLastPara="1" wrap="square" lIns="91425" tIns="91425" rIns="91425" bIns="91425" anchor="ctr" anchorCtr="0">
-              <a:noAutofit/>
-            </a:bodyPr>
-            <a:lstStyle/>
-            <a:p>
-              <a:pPr marL="0" lvl="0" indent="0" algn="l" rtl="0">
-                <a:spcBef>
-                  <a:spcPts val="0"/>
-                </a:spcBef>
-                <a:spcAft>
-                  <a:spcPts val="0"/>
-                </a:spcAft>
-                <a:buNone/>
-              </a:pPr>
-              <a:endParaRPr/>
-            </a:p>
-          </p:txBody>
-        </p:sp>
-        <p:sp>
-          <p:nvSpPr>
-            <p:cNvPr id="1236" name="Google Shape;1236;p94"/>
-            <p:cNvSpPr/>
-            <p:nvPr/>
-          </p:nvSpPr>
-          <p:spPr>
-            <a:xfrm>
-              <a:off x="1960138" y="4372125"/>
-              <a:ext cx="149225" cy="51550"/>
-            </a:xfrm>
-            <a:custGeom>
-              <a:avLst/>
-              <a:gdLst/>
-              <a:ahLst/>
-              <a:cxnLst/>
-              <a:rect l="l" t="t" r="r" b="b"/>
-              <a:pathLst>
-                <a:path w="5969" h="2062" extrusionOk="0">
-                  <a:moveTo>
-                    <a:pt x="0" y="0"/>
-                  </a:moveTo>
-                  <a:lnTo>
-                    <a:pt x="0" y="1562"/>
-                  </a:lnTo>
-                  <a:cubicBezTo>
-                    <a:pt x="0" y="1838"/>
-                    <a:pt x="223" y="2061"/>
-                    <a:pt x="509" y="2061"/>
-                  </a:cubicBezTo>
-                  <a:lnTo>
-                    <a:pt x="5469" y="2061"/>
-                  </a:lnTo>
-                  <a:cubicBezTo>
-                    <a:pt x="5745" y="2061"/>
-                    <a:pt x="5968" y="1838"/>
-                    <a:pt x="5968" y="1562"/>
-                  </a:cubicBezTo>
-                  <a:lnTo>
-                    <a:pt x="5968" y="0"/>
-                  </a:lnTo>
-                  <a:close/>
-                </a:path>
-              </a:pathLst>
-            </a:custGeom>
-            <a:solidFill>
-              <a:schemeClr val="lt1"/>
-            </a:solidFill>
-            <a:ln>
-              <a:noFill/>
-            </a:ln>
-          </p:spPr>
-          <p:txBody>
-            <a:bodyPr spcFirstLastPara="1" wrap="square" lIns="91425" tIns="91425" rIns="91425" bIns="91425" anchor="ctr" anchorCtr="0">
-              <a:noAutofit/>
-            </a:bodyPr>
-            <a:lstStyle/>
-            <a:p>
-              <a:pPr marL="0" lvl="0" indent="0" algn="l" rtl="0">
-                <a:spcBef>
-                  <a:spcPts val="0"/>
-                </a:spcBef>
-                <a:spcAft>
-                  <a:spcPts val="0"/>
-                </a:spcAft>
-                <a:buNone/>
-              </a:pPr>
-              <a:endParaRPr/>
-            </a:p>
-          </p:txBody>
-        </p:sp>
-      </p:grpSp>
-      <p:grpSp>
-        <p:nvGrpSpPr>
-          <p:cNvPr id="1237" name="Google Shape;1237;p94"/>
-          <p:cNvGrpSpPr/>
-          <p:nvPr/>
-        </p:nvGrpSpPr>
-        <p:grpSpPr>
-          <a:xfrm>
-            <a:off x="3247598" y="3978539"/>
-            <a:ext cx="285406" cy="303757"/>
-            <a:chOff x="2326788" y="3991650"/>
-            <a:chExt cx="405925" cy="432025"/>
-          </a:xfrm>
-        </p:grpSpPr>
-        <p:sp>
-          <p:nvSpPr>
-            <p:cNvPr id="1238" name="Google Shape;1238;p94"/>
-            <p:cNvSpPr/>
-            <p:nvPr/>
-          </p:nvSpPr>
-          <p:spPr>
-            <a:xfrm>
-              <a:off x="2529288" y="4322375"/>
-              <a:ext cx="25450" cy="25250"/>
-            </a:xfrm>
-            <a:custGeom>
-              <a:avLst/>
-              <a:gdLst/>
-              <a:ahLst/>
-              <a:cxnLst/>
-              <a:rect l="l" t="t" r="r" b="b"/>
-              <a:pathLst>
-                <a:path w="1018" h="1010" extrusionOk="0">
-                  <a:moveTo>
-                    <a:pt x="509" y="1"/>
-                  </a:moveTo>
-                  <a:cubicBezTo>
-                    <a:pt x="224" y="1"/>
-                    <a:pt x="1" y="224"/>
-                    <a:pt x="1" y="509"/>
-                  </a:cubicBezTo>
-                  <a:cubicBezTo>
-                    <a:pt x="1" y="786"/>
-                    <a:pt x="224" y="1009"/>
-                    <a:pt x="509" y="1009"/>
-                  </a:cubicBezTo>
-                  <a:cubicBezTo>
-                    <a:pt x="786" y="1009"/>
-                    <a:pt x="1018" y="786"/>
-                    <a:pt x="1018" y="509"/>
-                  </a:cubicBezTo>
-                  <a:cubicBezTo>
-                    <a:pt x="1018" y="224"/>
-                    <a:pt x="786" y="1"/>
-                    <a:pt x="509" y="1"/>
-                  </a:cubicBezTo>
-                  <a:close/>
-                </a:path>
-              </a:pathLst>
-            </a:custGeom>
-            <a:solidFill>
-              <a:schemeClr val="lt1"/>
-            </a:solidFill>
-            <a:ln>
-              <a:noFill/>
-            </a:ln>
-          </p:spPr>
-          <p:txBody>
-            <a:bodyPr spcFirstLastPara="1" wrap="square" lIns="91425" tIns="91425" rIns="91425" bIns="91425" anchor="ctr" anchorCtr="0">
-              <a:noAutofit/>
-            </a:bodyPr>
-            <a:lstStyle/>
-            <a:p>
-              <a:pPr marL="0" lvl="0" indent="0" algn="l" rtl="0">
-                <a:spcBef>
-                  <a:spcPts val="0"/>
-                </a:spcBef>
-                <a:spcAft>
-                  <a:spcPts val="0"/>
-                </a:spcAft>
-                <a:buNone/>
-              </a:pPr>
-              <a:endParaRPr/>
-            </a:p>
-          </p:txBody>
-        </p:sp>
-        <p:sp>
-          <p:nvSpPr>
-            <p:cNvPr id="1239" name="Google Shape;1239;p94"/>
-            <p:cNvSpPr/>
-            <p:nvPr/>
-          </p:nvSpPr>
-          <p:spPr>
-            <a:xfrm>
-              <a:off x="2630538" y="4322375"/>
-              <a:ext cx="25225" cy="25250"/>
-            </a:xfrm>
-            <a:custGeom>
-              <a:avLst/>
-              <a:gdLst/>
-              <a:ahLst/>
-              <a:cxnLst/>
-              <a:rect l="l" t="t" r="r" b="b"/>
-              <a:pathLst>
-                <a:path w="1009" h="1010" extrusionOk="0">
-                  <a:moveTo>
-                    <a:pt x="500" y="1"/>
-                  </a:moveTo>
-                  <a:cubicBezTo>
-                    <a:pt x="224" y="1"/>
-                    <a:pt x="1" y="224"/>
-                    <a:pt x="1" y="509"/>
-                  </a:cubicBezTo>
-                  <a:cubicBezTo>
-                    <a:pt x="1" y="786"/>
-                    <a:pt x="224" y="1009"/>
-                    <a:pt x="500" y="1009"/>
-                  </a:cubicBezTo>
-                  <a:cubicBezTo>
-                    <a:pt x="786" y="1009"/>
-                    <a:pt x="1009" y="786"/>
-                    <a:pt x="1009" y="509"/>
-                  </a:cubicBezTo>
-                  <a:cubicBezTo>
-                    <a:pt x="1009" y="224"/>
-                    <a:pt x="786" y="1"/>
-                    <a:pt x="500" y="1"/>
-                  </a:cubicBezTo>
-                  <a:close/>
-                </a:path>
-              </a:pathLst>
-            </a:custGeom>
-            <a:solidFill>
-              <a:schemeClr val="lt1"/>
-            </a:solidFill>
-            <a:ln>
-              <a:noFill/>
-            </a:ln>
-          </p:spPr>
-          <p:txBody>
-            <a:bodyPr spcFirstLastPara="1" wrap="square" lIns="91425" tIns="91425" rIns="91425" bIns="91425" anchor="ctr" anchorCtr="0">
-              <a:noAutofit/>
-            </a:bodyPr>
-            <a:lstStyle/>
-            <a:p>
-              <a:pPr marL="0" lvl="0" indent="0" algn="l" rtl="0">
-                <a:spcBef>
-                  <a:spcPts val="0"/>
-                </a:spcBef>
-                <a:spcAft>
-                  <a:spcPts val="0"/>
-                </a:spcAft>
-                <a:buNone/>
-              </a:pPr>
-              <a:endParaRPr/>
-            </a:p>
-          </p:txBody>
-        </p:sp>
-        <p:sp>
-          <p:nvSpPr>
-            <p:cNvPr id="1240" name="Google Shape;1240;p94"/>
-            <p:cNvSpPr/>
-            <p:nvPr/>
-          </p:nvSpPr>
-          <p:spPr>
-            <a:xfrm>
-              <a:off x="2453238" y="4246325"/>
-              <a:ext cx="279475" cy="177350"/>
-            </a:xfrm>
-            <a:custGeom>
-              <a:avLst/>
-              <a:gdLst/>
-              <a:ahLst/>
-              <a:cxnLst/>
-              <a:rect l="l" t="t" r="r" b="b"/>
-              <a:pathLst>
-                <a:path w="11179" h="7094" extrusionOk="0">
-                  <a:moveTo>
-                    <a:pt x="3551" y="2026"/>
-                  </a:moveTo>
-                  <a:cubicBezTo>
-                    <a:pt x="4390" y="2026"/>
-                    <a:pt x="5068" y="2713"/>
-                    <a:pt x="5068" y="3551"/>
-                  </a:cubicBezTo>
-                  <a:cubicBezTo>
-                    <a:pt x="5068" y="4381"/>
-                    <a:pt x="4390" y="5068"/>
-                    <a:pt x="3551" y="5068"/>
-                  </a:cubicBezTo>
-                  <a:cubicBezTo>
-                    <a:pt x="2713" y="5068"/>
-                    <a:pt x="2035" y="4381"/>
-                    <a:pt x="2035" y="3551"/>
-                  </a:cubicBezTo>
-                  <a:cubicBezTo>
-                    <a:pt x="2035" y="2713"/>
-                    <a:pt x="2713" y="2026"/>
-                    <a:pt x="3551" y="2026"/>
-                  </a:cubicBezTo>
-                  <a:close/>
-                  <a:moveTo>
-                    <a:pt x="7592" y="2026"/>
-                  </a:moveTo>
-                  <a:cubicBezTo>
-                    <a:pt x="8431" y="2026"/>
-                    <a:pt x="9118" y="2713"/>
-                    <a:pt x="9118" y="3551"/>
-                  </a:cubicBezTo>
-                  <a:cubicBezTo>
-                    <a:pt x="9118" y="4381"/>
-                    <a:pt x="8431" y="5068"/>
-                    <a:pt x="7592" y="5068"/>
-                  </a:cubicBezTo>
-                  <a:cubicBezTo>
-                    <a:pt x="6763" y="5068"/>
-                    <a:pt x="6076" y="4381"/>
-                    <a:pt x="6076" y="3551"/>
-                  </a:cubicBezTo>
-                  <a:cubicBezTo>
-                    <a:pt x="6076" y="2713"/>
-                    <a:pt x="6763" y="2026"/>
-                    <a:pt x="7592" y="2026"/>
-                  </a:cubicBezTo>
-                  <a:close/>
-                  <a:moveTo>
-                    <a:pt x="509" y="1"/>
-                  </a:moveTo>
-                  <a:cubicBezTo>
-                    <a:pt x="232" y="1"/>
-                    <a:pt x="1" y="233"/>
-                    <a:pt x="1" y="509"/>
-                  </a:cubicBezTo>
-                  <a:lnTo>
-                    <a:pt x="1" y="6585"/>
-                  </a:lnTo>
-                  <a:cubicBezTo>
-                    <a:pt x="1" y="6870"/>
-                    <a:pt x="232" y="7093"/>
-                    <a:pt x="509" y="7093"/>
-                  </a:cubicBezTo>
-                  <a:lnTo>
-                    <a:pt x="10670" y="7093"/>
-                  </a:lnTo>
-                  <a:cubicBezTo>
-                    <a:pt x="10947" y="7093"/>
-                    <a:pt x="11179" y="6870"/>
-                    <a:pt x="11179" y="6585"/>
-                  </a:cubicBezTo>
-                  <a:lnTo>
-                    <a:pt x="11179" y="509"/>
-                  </a:lnTo>
-                  <a:cubicBezTo>
-                    <a:pt x="11179" y="233"/>
-                    <a:pt x="10947" y="1"/>
-                    <a:pt x="10670" y="1"/>
-                  </a:cubicBezTo>
-                  <a:close/>
-                </a:path>
-              </a:pathLst>
-            </a:custGeom>
-            <a:solidFill>
-              <a:schemeClr val="lt1"/>
-            </a:solidFill>
-            <a:ln>
-              <a:noFill/>
-            </a:ln>
-          </p:spPr>
-          <p:txBody>
-            <a:bodyPr spcFirstLastPara="1" wrap="square" lIns="91425" tIns="91425" rIns="91425" bIns="91425" anchor="ctr" anchorCtr="0">
-              <a:noAutofit/>
-            </a:bodyPr>
-            <a:lstStyle/>
-            <a:p>
-              <a:pPr marL="0" lvl="0" indent="0" algn="l" rtl="0">
-                <a:spcBef>
-                  <a:spcPts val="0"/>
-                </a:spcBef>
-                <a:spcAft>
-                  <a:spcPts val="0"/>
-                </a:spcAft>
-                <a:buNone/>
-              </a:pPr>
-              <a:endParaRPr/>
-            </a:p>
-          </p:txBody>
-        </p:sp>
-        <p:sp>
-          <p:nvSpPr>
-            <p:cNvPr id="1241" name="Google Shape;1241;p94"/>
-            <p:cNvSpPr/>
-            <p:nvPr/>
-          </p:nvSpPr>
-          <p:spPr>
-            <a:xfrm>
-              <a:off x="2326788" y="3991650"/>
-              <a:ext cx="328975" cy="76725"/>
-            </a:xfrm>
-            <a:custGeom>
-              <a:avLst/>
-              <a:gdLst/>
-              <a:ahLst/>
-              <a:cxnLst/>
-              <a:rect l="l" t="t" r="r" b="b"/>
-              <a:pathLst>
-                <a:path w="13159" h="3069" extrusionOk="0">
-                  <a:moveTo>
-                    <a:pt x="500" y="0"/>
-                  </a:moveTo>
-                  <a:cubicBezTo>
-                    <a:pt x="223" y="0"/>
-                    <a:pt x="0" y="223"/>
-                    <a:pt x="0" y="500"/>
-                  </a:cubicBezTo>
-                  <a:lnTo>
-                    <a:pt x="0" y="3069"/>
-                  </a:lnTo>
-                  <a:lnTo>
-                    <a:pt x="13159" y="3069"/>
-                  </a:lnTo>
-                  <a:lnTo>
-                    <a:pt x="13159" y="500"/>
-                  </a:lnTo>
-                  <a:cubicBezTo>
-                    <a:pt x="13159" y="223"/>
-                    <a:pt x="12936" y="0"/>
-                    <a:pt x="12650" y="0"/>
-                  </a:cubicBezTo>
-                  <a:close/>
-                </a:path>
-              </a:pathLst>
-            </a:custGeom>
-            <a:solidFill>
-              <a:schemeClr val="lt1"/>
-            </a:solidFill>
-            <a:ln>
-              <a:noFill/>
-            </a:ln>
-          </p:spPr>
-          <p:txBody>
-            <a:bodyPr spcFirstLastPara="1" wrap="square" lIns="91425" tIns="91425" rIns="91425" bIns="91425" anchor="ctr" anchorCtr="0">
-              <a:noAutofit/>
-            </a:bodyPr>
-            <a:lstStyle/>
-            <a:p>
-              <a:pPr marL="0" lvl="0" indent="0" algn="l" rtl="0">
-                <a:spcBef>
-                  <a:spcPts val="0"/>
-                </a:spcBef>
-                <a:spcAft>
-                  <a:spcPts val="0"/>
-                </a:spcAft>
-                <a:buNone/>
-              </a:pPr>
-              <a:endParaRPr/>
-            </a:p>
-          </p:txBody>
-        </p:sp>
-        <p:sp>
-          <p:nvSpPr>
-            <p:cNvPr id="1242" name="Google Shape;1242;p94"/>
-            <p:cNvSpPr/>
-            <p:nvPr/>
-          </p:nvSpPr>
-          <p:spPr>
-            <a:xfrm>
-              <a:off x="2351988" y="4093775"/>
-              <a:ext cx="278575" cy="329900"/>
-            </a:xfrm>
-            <a:custGeom>
-              <a:avLst/>
-              <a:gdLst/>
-              <a:ahLst/>
-              <a:cxnLst/>
-              <a:rect l="l" t="t" r="r" b="b"/>
-              <a:pathLst>
-                <a:path w="11143" h="13196" extrusionOk="0">
-                  <a:moveTo>
-                    <a:pt x="0" y="1"/>
-                  </a:moveTo>
-                  <a:lnTo>
-                    <a:pt x="0" y="12687"/>
-                  </a:lnTo>
-                  <a:cubicBezTo>
-                    <a:pt x="0" y="12972"/>
-                    <a:pt x="223" y="13195"/>
-                    <a:pt x="509" y="13195"/>
-                  </a:cubicBezTo>
-                  <a:lnTo>
-                    <a:pt x="3132" y="13195"/>
-                  </a:lnTo>
-                  <a:cubicBezTo>
-                    <a:pt x="2980" y="12767"/>
-                    <a:pt x="3069" y="12651"/>
-                    <a:pt x="3042" y="10126"/>
-                  </a:cubicBezTo>
-                  <a:lnTo>
-                    <a:pt x="1517" y="10126"/>
-                  </a:lnTo>
-                  <a:cubicBezTo>
-                    <a:pt x="1240" y="10126"/>
-                    <a:pt x="1017" y="9894"/>
-                    <a:pt x="1017" y="9618"/>
-                  </a:cubicBezTo>
-                  <a:lnTo>
-                    <a:pt x="1017" y="1518"/>
-                  </a:lnTo>
-                  <a:cubicBezTo>
-                    <a:pt x="1017" y="1232"/>
-                    <a:pt x="1240" y="1009"/>
-                    <a:pt x="1517" y="1009"/>
-                  </a:cubicBezTo>
-                  <a:lnTo>
-                    <a:pt x="11143" y="1009"/>
-                  </a:lnTo>
-                  <a:lnTo>
-                    <a:pt x="11143" y="1"/>
-                  </a:lnTo>
-                  <a:close/>
-                </a:path>
-              </a:pathLst>
-            </a:custGeom>
-            <a:solidFill>
-              <a:schemeClr val="lt1"/>
-            </a:solidFill>
-            <a:ln>
-              <a:noFill/>
-            </a:ln>
-          </p:spPr>
-          <p:txBody>
-            <a:bodyPr spcFirstLastPara="1" wrap="square" lIns="91425" tIns="91425" rIns="91425" bIns="91425" anchor="ctr" anchorCtr="0">
-              <a:noAutofit/>
-            </a:bodyPr>
-            <a:lstStyle/>
-            <a:p>
-              <a:pPr marL="0" lvl="0" indent="0" algn="l" rtl="0">
-                <a:spcBef>
-                  <a:spcPts val="0"/>
-                </a:spcBef>
-                <a:spcAft>
-                  <a:spcPts val="0"/>
-                </a:spcAft>
-                <a:buNone/>
-              </a:pPr>
-              <a:endParaRPr/>
-            </a:p>
-          </p:txBody>
-        </p:sp>
-        <p:sp>
-          <p:nvSpPr>
-            <p:cNvPr id="1243" name="Google Shape;1243;p94"/>
-            <p:cNvSpPr/>
-            <p:nvPr/>
-          </p:nvSpPr>
-          <p:spPr>
-            <a:xfrm>
-              <a:off x="2402613" y="4144425"/>
-              <a:ext cx="227950" cy="177100"/>
-            </a:xfrm>
-            <a:custGeom>
-              <a:avLst/>
-              <a:gdLst/>
-              <a:ahLst/>
-              <a:cxnLst/>
-              <a:rect l="l" t="t" r="r" b="b"/>
-              <a:pathLst>
-                <a:path w="9118" h="7084" extrusionOk="0">
-                  <a:moveTo>
-                    <a:pt x="0" y="0"/>
-                  </a:moveTo>
-                  <a:lnTo>
-                    <a:pt x="0" y="7083"/>
-                  </a:lnTo>
-                  <a:lnTo>
-                    <a:pt x="1017" y="7083"/>
-                  </a:lnTo>
-                  <a:lnTo>
-                    <a:pt x="1017" y="4585"/>
-                  </a:lnTo>
-                  <a:cubicBezTo>
-                    <a:pt x="1017" y="3747"/>
-                    <a:pt x="1695" y="3069"/>
-                    <a:pt x="2534" y="3069"/>
-                  </a:cubicBezTo>
-                  <a:lnTo>
-                    <a:pt x="9118" y="3069"/>
-                  </a:lnTo>
-                  <a:lnTo>
-                    <a:pt x="9118" y="2025"/>
-                  </a:lnTo>
-                  <a:lnTo>
-                    <a:pt x="1517" y="2025"/>
-                  </a:lnTo>
-                  <a:cubicBezTo>
-                    <a:pt x="1258" y="2025"/>
-                    <a:pt x="1026" y="1829"/>
-                    <a:pt x="1000" y="1570"/>
-                  </a:cubicBezTo>
-                  <a:cubicBezTo>
-                    <a:pt x="964" y="1267"/>
-                    <a:pt x="1205" y="1008"/>
-                    <a:pt x="1499" y="1008"/>
-                  </a:cubicBezTo>
-                  <a:lnTo>
-                    <a:pt x="9118" y="1008"/>
-                  </a:lnTo>
-                  <a:lnTo>
-                    <a:pt x="9118" y="0"/>
-                  </a:lnTo>
-                  <a:close/>
-                </a:path>
-              </a:pathLst>
-            </a:custGeom>
-            <a:solidFill>
-              <a:schemeClr val="lt1"/>
-            </a:solidFill>
-            <a:ln>
-              <a:noFill/>
-            </a:ln>
-          </p:spPr>
-          <p:txBody>
-            <a:bodyPr spcFirstLastPara="1" wrap="square" lIns="91425" tIns="91425" rIns="91425" bIns="91425" anchor="ctr" anchorCtr="0">
-              <a:noAutofit/>
-            </a:bodyPr>
-            <a:lstStyle/>
-            <a:p>
-              <a:pPr marL="0" lvl="0" indent="0" algn="l" rtl="0">
-                <a:spcBef>
-                  <a:spcPts val="0"/>
-                </a:spcBef>
-                <a:spcAft>
-                  <a:spcPts val="0"/>
-                </a:spcAft>
-                <a:buNone/>
-              </a:pPr>
-              <a:endParaRPr/>
-            </a:p>
-          </p:txBody>
-        </p:sp>
-      </p:grpSp>
     </p:spTree>
   </p:cSld>
   <p:clrMapOvr>
